--- a/03_combo_figures/ig_2023_08_18_fig_sv.pptx
+++ b/03_combo_figures/ig_2023_08_18_fig_sv.pptx
@@ -118,7 +118,7 @@
 <file path=ppt/revisionInfo.xml><?xml version="1.0" encoding="utf-8"?>
 <p1510:revInfo xmlns:a="http://schemas.openxmlformats.org/drawingml/2006/main" xmlns:r="http://schemas.openxmlformats.org/officeDocument/2006/relationships" xmlns:p1510="http://schemas.microsoft.com/office/powerpoint/2015/10/main">
   <p1510:revLst>
-    <p1510:client id="{1720320C-2886-A44F-B1A5-AC29DAC23C38}" v="709" dt="2023-09-13T09:19:30.165"/>
+    <p1510:client id="{1720320C-2886-A44F-B1A5-AC29DAC23C38}" v="728" dt="2023-10-03T08:09:06.389"/>
   </p1510:revLst>
 </p1510:revInfo>
 </file>
@@ -128,22 +128,102 @@
   <pc:docChgLst>
     <pc:chgData name="Ann Igolkina" userId="4d1b5d7ddf2bbc78" providerId="LiveId" clId="{1720320C-2886-A44F-B1A5-AC29DAC23C38}"/>
     <pc:docChg chg="undo redo custSel addSld delSld modSld">
-      <pc:chgData name="Ann Igolkina" userId="4d1b5d7ddf2bbc78" providerId="LiveId" clId="{1720320C-2886-A44F-B1A5-AC29DAC23C38}" dt="2023-09-13T09:19:32.244" v="1094" actId="20577"/>
+      <pc:chgData name="Ann Igolkina" userId="4d1b5d7ddf2bbc78" providerId="LiveId" clId="{1720320C-2886-A44F-B1A5-AC29DAC23C38}" dt="2023-10-03T08:09:11.910" v="2200" actId="1076"/>
       <pc:docMkLst>
         <pc:docMk/>
       </pc:docMkLst>
       <pc:sldChg chg="addSp delSp modSp mod">
-        <pc:chgData name="Ann Igolkina" userId="4d1b5d7ddf2bbc78" providerId="LiveId" clId="{1720320C-2886-A44F-B1A5-AC29DAC23C38}" dt="2023-09-13T09:19:32.244" v="1094" actId="20577"/>
+        <pc:chgData name="Ann Igolkina" userId="4d1b5d7ddf2bbc78" providerId="LiveId" clId="{1720320C-2886-A44F-B1A5-AC29DAC23C38}" dt="2023-10-03T08:09:04.316" v="2197" actId="21"/>
         <pc:sldMkLst>
           <pc:docMk/>
           <pc:sldMk cId="3114100624" sldId="256"/>
         </pc:sldMkLst>
+        <pc:spChg chg="add del mod">
+          <ac:chgData name="Ann Igolkina" userId="4d1b5d7ddf2bbc78" providerId="LiveId" clId="{1720320C-2886-A44F-B1A5-AC29DAC23C38}" dt="2023-10-01T18:07:30.716" v="1107" actId="478"/>
+          <ac:spMkLst>
+            <pc:docMk/>
+            <pc:sldMk cId="3114100624" sldId="256"/>
+            <ac:spMk id="4" creationId="{EA61D29A-9C46-B0DC-240B-C9218EAF23FB}"/>
+          </ac:spMkLst>
+        </pc:spChg>
         <pc:spChg chg="add mod">
-          <ac:chgData name="Ann Igolkina" userId="4d1b5d7ddf2bbc78" providerId="LiveId" clId="{1720320C-2886-A44F-B1A5-AC29DAC23C38}" dt="2023-09-13T09:19:32.244" v="1094" actId="20577"/>
+          <ac:chgData name="Ann Igolkina" userId="4d1b5d7ddf2bbc78" providerId="LiveId" clId="{1720320C-2886-A44F-B1A5-AC29DAC23C38}" dt="2023-10-01T18:09:30.251" v="1150" actId="113"/>
           <ac:spMkLst>
             <pc:docMk/>
             <pc:sldMk cId="3114100624" sldId="256"/>
-            <ac:spMk id="4" creationId="{EA61D29A-9C46-B0DC-240B-C9218EAF23FB}"/>
+            <ac:spMk id="7" creationId="{864DA2CF-3F70-5C37-BF71-69B80826814B}"/>
+          </ac:spMkLst>
+        </pc:spChg>
+        <pc:spChg chg="add mod">
+          <ac:chgData name="Ann Igolkina" userId="4d1b5d7ddf2bbc78" providerId="LiveId" clId="{1720320C-2886-A44F-B1A5-AC29DAC23C38}" dt="2023-10-01T18:09:30.251" v="1150" actId="113"/>
+          <ac:spMkLst>
+            <pc:docMk/>
+            <pc:sldMk cId="3114100624" sldId="256"/>
+            <ac:spMk id="8" creationId="{01C18408-1469-48DA-8DB2-F85175EB97E7}"/>
+          </ac:spMkLst>
+        </pc:spChg>
+        <pc:spChg chg="add mod">
+          <ac:chgData name="Ann Igolkina" userId="4d1b5d7ddf2bbc78" providerId="LiveId" clId="{1720320C-2886-A44F-B1A5-AC29DAC23C38}" dt="2023-10-01T18:09:30.251" v="1150" actId="113"/>
+          <ac:spMkLst>
+            <pc:docMk/>
+            <pc:sldMk cId="3114100624" sldId="256"/>
+            <ac:spMk id="9" creationId="{626FFE6D-7FDC-C562-6096-0C8E080865CA}"/>
+          </ac:spMkLst>
+        </pc:spChg>
+        <pc:spChg chg="add mod">
+          <ac:chgData name="Ann Igolkina" userId="4d1b5d7ddf2bbc78" providerId="LiveId" clId="{1720320C-2886-A44F-B1A5-AC29DAC23C38}" dt="2023-10-01T18:09:30.251" v="1150" actId="113"/>
+          <ac:spMkLst>
+            <pc:docMk/>
+            <pc:sldMk cId="3114100624" sldId="256"/>
+            <ac:spMk id="10" creationId="{5CB14963-7A35-4500-2DF7-F146956D8895}"/>
+          </ac:spMkLst>
+        </pc:spChg>
+        <pc:spChg chg="add mod">
+          <ac:chgData name="Ann Igolkina" userId="4d1b5d7ddf2bbc78" providerId="LiveId" clId="{1720320C-2886-A44F-B1A5-AC29DAC23C38}" dt="2023-10-01T18:09:30.251" v="1150" actId="113"/>
+          <ac:spMkLst>
+            <pc:docMk/>
+            <pc:sldMk cId="3114100624" sldId="256"/>
+            <ac:spMk id="11" creationId="{C74540B5-F74E-0350-FE91-3540481E1894}"/>
+          </ac:spMkLst>
+        </pc:spChg>
+        <pc:spChg chg="add mod">
+          <ac:chgData name="Ann Igolkina" userId="4d1b5d7ddf2bbc78" providerId="LiveId" clId="{1720320C-2886-A44F-B1A5-AC29DAC23C38}" dt="2023-10-01T18:09:30.251" v="1150" actId="113"/>
+          <ac:spMkLst>
+            <pc:docMk/>
+            <pc:sldMk cId="3114100624" sldId="256"/>
+            <ac:spMk id="12" creationId="{80AE70D8-64AE-4377-A498-E1DE7F967E99}"/>
+          </ac:spMkLst>
+        </pc:spChg>
+        <pc:spChg chg="add mod">
+          <ac:chgData name="Ann Igolkina" userId="4d1b5d7ddf2bbc78" providerId="LiveId" clId="{1720320C-2886-A44F-B1A5-AC29DAC23C38}" dt="2023-10-01T18:09:30.251" v="1150" actId="113"/>
+          <ac:spMkLst>
+            <pc:docMk/>
+            <pc:sldMk cId="3114100624" sldId="256"/>
+            <ac:spMk id="13" creationId="{CF575C4A-07D9-E787-7A99-3CF5844FE847}"/>
+          </ac:spMkLst>
+        </pc:spChg>
+        <pc:spChg chg="add mod">
+          <ac:chgData name="Ann Igolkina" userId="4d1b5d7ddf2bbc78" providerId="LiveId" clId="{1720320C-2886-A44F-B1A5-AC29DAC23C38}" dt="2023-10-01T18:09:30.251" v="1150" actId="113"/>
+          <ac:spMkLst>
+            <pc:docMk/>
+            <pc:sldMk cId="3114100624" sldId="256"/>
+            <ac:spMk id="14" creationId="{552A1464-0785-AB09-632B-E45949D1AD12}"/>
+          </ac:spMkLst>
+        </pc:spChg>
+        <pc:spChg chg="add mod">
+          <ac:chgData name="Ann Igolkina" userId="4d1b5d7ddf2bbc78" providerId="LiveId" clId="{1720320C-2886-A44F-B1A5-AC29DAC23C38}" dt="2023-10-01T18:09:30.251" v="1150" actId="113"/>
+          <ac:spMkLst>
+            <pc:docMk/>
+            <pc:sldMk cId="3114100624" sldId="256"/>
+            <ac:spMk id="15" creationId="{E1D87D06-0486-80BD-AD27-BB140F2EA57D}"/>
+          </ac:spMkLst>
+        </pc:spChg>
+        <pc:spChg chg="add mod">
+          <ac:chgData name="Ann Igolkina" userId="4d1b5d7ddf2bbc78" providerId="LiveId" clId="{1720320C-2886-A44F-B1A5-AC29DAC23C38}" dt="2023-10-03T07:07:55.319" v="2169" actId="20577"/>
+          <ac:spMkLst>
+            <pc:docMk/>
+            <pc:sldMk cId="3114100624" sldId="256"/>
+            <ac:spMk id="16" creationId="{7B93491D-5F35-89BD-6445-CA4EA71F2E57}"/>
           </ac:spMkLst>
         </pc:spChg>
         <pc:spChg chg="add del mod">
@@ -290,8 +370,8 @@
             <ac:grpSpMk id="2" creationId="{7B6259F8-C277-854A-5557-03DD35ACA465}"/>
           </ac:grpSpMkLst>
         </pc:grpChg>
-        <pc:grpChg chg="add mod">
-          <ac:chgData name="Ann Igolkina" userId="4d1b5d7ddf2bbc78" providerId="LiveId" clId="{1720320C-2886-A44F-B1A5-AC29DAC23C38}" dt="2023-09-11T10:52:34.345" v="1086" actId="1076"/>
+        <pc:grpChg chg="add del mod">
+          <ac:chgData name="Ann Igolkina" userId="4d1b5d7ddf2bbc78" providerId="LiveId" clId="{1720320C-2886-A44F-B1A5-AC29DAC23C38}" dt="2023-10-01T17:19:10.157" v="1095" actId="478"/>
           <ac:grpSpMkLst>
             <pc:docMk/>
             <pc:sldMk cId="3114100624" sldId="256"/>
@@ -523,6 +603,14 @@
           </ac:grpSpMkLst>
         </pc:grpChg>
         <pc:picChg chg="add del mod">
+          <ac:chgData name="Ann Igolkina" userId="4d1b5d7ddf2bbc78" providerId="LiveId" clId="{1720320C-2886-A44F-B1A5-AC29DAC23C38}" dt="2023-10-03T07:33:12.266" v="2171" actId="21"/>
+          <ac:picMkLst>
+            <pc:docMk/>
+            <pc:sldMk cId="3114100624" sldId="256"/>
+            <ac:picMk id="3" creationId="{3EE47149-EA21-765E-B543-081887919313}"/>
+          </ac:picMkLst>
+        </pc:picChg>
+        <pc:picChg chg="add del mod">
           <ac:chgData name="Ann Igolkina" userId="4d1b5d7ddf2bbc78" providerId="LiveId" clId="{1720320C-2886-A44F-B1A5-AC29DAC23C38}" dt="2023-08-19T09:15:12.801" v="9" actId="478"/>
           <ac:picMkLst>
             <pc:docMk/>
@@ -539,6 +627,22 @@
           </ac:picMkLst>
         </pc:picChg>
         <pc:picChg chg="add del mod">
+          <ac:chgData name="Ann Igolkina" userId="4d1b5d7ddf2bbc78" providerId="LiveId" clId="{1720320C-2886-A44F-B1A5-AC29DAC23C38}" dt="2023-10-03T08:01:49.515" v="2193" actId="21"/>
+          <ac:picMkLst>
+            <pc:docMk/>
+            <pc:sldMk cId="3114100624" sldId="256"/>
+            <ac:picMk id="5" creationId="{72BD7D7D-FD01-0F7F-E4A1-9D4221141978}"/>
+          </ac:picMkLst>
+        </pc:picChg>
+        <pc:picChg chg="add del mod">
+          <ac:chgData name="Ann Igolkina" userId="4d1b5d7ddf2bbc78" providerId="LiveId" clId="{1720320C-2886-A44F-B1A5-AC29DAC23C38}" dt="2023-10-01T18:02:47.330" v="1105" actId="478"/>
+          <ac:picMkLst>
+            <pc:docMk/>
+            <pc:sldMk cId="3114100624" sldId="256"/>
+            <ac:picMk id="6" creationId="{CCACE206-54B6-CF0D-2789-E6355D661900}"/>
+          </ac:picMkLst>
+        </pc:picChg>
+        <pc:picChg chg="add del mod">
           <ac:chgData name="Ann Igolkina" userId="4d1b5d7ddf2bbc78" providerId="LiveId" clId="{1720320C-2886-A44F-B1A5-AC29DAC23C38}" dt="2023-09-08T14:39:58.628" v="1061" actId="21"/>
           <ac:picMkLst>
             <pc:docMk/>
@@ -626,6 +730,14 @@
             <ac:picMk id="16" creationId="{EB221AAC-1252-A2AE-1818-A0E42FF335E3}"/>
           </ac:picMkLst>
         </pc:picChg>
+        <pc:picChg chg="add del mod">
+          <ac:chgData name="Ann Igolkina" userId="4d1b5d7ddf2bbc78" providerId="LiveId" clId="{1720320C-2886-A44F-B1A5-AC29DAC23C38}" dt="2023-10-03T08:09:04.316" v="2197" actId="21"/>
+          <ac:picMkLst>
+            <pc:docMk/>
+            <pc:sldMk cId="3114100624" sldId="256"/>
+            <ac:picMk id="17" creationId="{09DEE6B7-D0F3-A199-DB81-0851DD49D8DA}"/>
+          </ac:picMkLst>
+        </pc:picChg>
         <pc:picChg chg="add del mod topLvl">
           <ac:chgData name="Ann Igolkina" userId="4d1b5d7ddf2bbc78" providerId="LiveId" clId="{1720320C-2886-A44F-B1A5-AC29DAC23C38}" dt="2023-09-08T13:40:20.688" v="832" actId="478"/>
           <ac:picMkLst>
@@ -1195,7 +1307,7 @@
           </ac:picMkLst>
         </pc:picChg>
         <pc:picChg chg="add mod">
-          <ac:chgData name="Ann Igolkina" userId="4d1b5d7ddf2bbc78" providerId="LiveId" clId="{1720320C-2886-A44F-B1A5-AC29DAC23C38}" dt="2023-09-08T14:26:54.457" v="957" actId="1076"/>
+          <ac:chgData name="Ann Igolkina" userId="4d1b5d7ddf2bbc78" providerId="LiveId" clId="{1720320C-2886-A44F-B1A5-AC29DAC23C38}" dt="2023-10-01T18:02:38.205" v="1103" actId="1076"/>
           <ac:picMkLst>
             <pc:docMk/>
             <pc:sldMk cId="3114100624" sldId="256"/>
@@ -1219,7 +1331,7 @@
           </ac:picMkLst>
         </pc:picChg>
         <pc:picChg chg="add mod">
-          <ac:chgData name="Ann Igolkina" userId="4d1b5d7ddf2bbc78" providerId="LiveId" clId="{1720320C-2886-A44F-B1A5-AC29DAC23C38}" dt="2023-09-08T14:39:26.817" v="1059" actId="167"/>
+          <ac:chgData name="Ann Igolkina" userId="4d1b5d7ddf2bbc78" providerId="LiveId" clId="{1720320C-2886-A44F-B1A5-AC29DAC23C38}" dt="2023-10-01T18:02:45.547" v="1104" actId="1076"/>
           <ac:picMkLst>
             <pc:docMk/>
             <pc:sldMk cId="3114100624" sldId="256"/>
@@ -1676,11 +1788,19 @@
         </pc:cxnChg>
       </pc:sldChg>
       <pc:sldChg chg="addSp delSp modSp mod">
-        <pc:chgData name="Ann Igolkina" userId="4d1b5d7ddf2bbc78" providerId="LiveId" clId="{1720320C-2886-A44F-B1A5-AC29DAC23C38}" dt="2023-09-08T14:40:10.406" v="1065" actId="21"/>
+        <pc:chgData name="Ann Igolkina" userId="4d1b5d7ddf2bbc78" providerId="LiveId" clId="{1720320C-2886-A44F-B1A5-AC29DAC23C38}" dt="2023-10-03T08:09:11.910" v="2200" actId="1076"/>
         <pc:sldMkLst>
           <pc:docMk/>
           <pc:sldMk cId="3308727029" sldId="257"/>
         </pc:sldMkLst>
+        <pc:spChg chg="add del mod">
+          <ac:chgData name="Ann Igolkina" userId="4d1b5d7ddf2bbc78" providerId="LiveId" clId="{1720320C-2886-A44F-B1A5-AC29DAC23C38}" dt="2023-10-03T07:33:36.746" v="2190" actId="478"/>
+          <ac:spMkLst>
+            <pc:docMk/>
+            <pc:sldMk cId="3308727029" sldId="257"/>
+            <ac:spMk id="57" creationId="{1DAD2B9E-C973-9C78-EC15-24CABB292764}"/>
+          </ac:spMkLst>
+        </pc:spChg>
         <pc:spChg chg="add del mod">
           <ac:chgData name="Ann Igolkina" userId="4d1b5d7ddf2bbc78" providerId="LiveId" clId="{1720320C-2886-A44F-B1A5-AC29DAC23C38}" dt="2023-09-08T14:40:10.406" v="1065" actId="21"/>
           <ac:spMkLst>
@@ -1858,11 +1978,35 @@
           </ac:grpSpMkLst>
         </pc:grpChg>
         <pc:picChg chg="add del mod">
+          <ac:chgData name="Ann Igolkina" userId="4d1b5d7ddf2bbc78" providerId="LiveId" clId="{1720320C-2886-A44F-B1A5-AC29DAC23C38}" dt="2023-10-03T07:33:37.484" v="2191" actId="478"/>
+          <ac:picMkLst>
+            <pc:docMk/>
+            <pc:sldMk cId="3308727029" sldId="257"/>
+            <ac:picMk id="56" creationId="{92C13745-E93C-0BBA-0194-AFE8AF7BD4D4}"/>
+          </ac:picMkLst>
+        </pc:picChg>
+        <pc:picChg chg="add del mod">
           <ac:chgData name="Ann Igolkina" userId="4d1b5d7ddf2bbc78" providerId="LiveId" clId="{1720320C-2886-A44F-B1A5-AC29DAC23C38}" dt="2023-09-08T14:40:10.406" v="1065" actId="21"/>
           <ac:picMkLst>
             <pc:docMk/>
             <pc:sldMk cId="3308727029" sldId="257"/>
             <ac:picMk id="56" creationId="{C241130C-ECFF-F367-B21A-AF0E322DF1C8}"/>
+          </ac:picMkLst>
+        </pc:picChg>
+        <pc:picChg chg="add mod">
+          <ac:chgData name="Ann Igolkina" userId="4d1b5d7ddf2bbc78" providerId="LiveId" clId="{1720320C-2886-A44F-B1A5-AC29DAC23C38}" dt="2023-10-03T08:09:11.910" v="2200" actId="1076"/>
+          <ac:picMkLst>
+            <pc:docMk/>
+            <pc:sldMk cId="3308727029" sldId="257"/>
+            <ac:picMk id="58" creationId="{3B49DC91-FA82-58B1-E0D7-1EBEF4CB5E27}"/>
+          </ac:picMkLst>
+        </pc:picChg>
+        <pc:picChg chg="add mod">
+          <ac:chgData name="Ann Igolkina" userId="4d1b5d7ddf2bbc78" providerId="LiveId" clId="{1720320C-2886-A44F-B1A5-AC29DAC23C38}" dt="2023-10-03T08:09:08.795" v="2199" actId="1076"/>
+          <ac:picMkLst>
+            <pc:docMk/>
+            <pc:sldMk cId="3308727029" sldId="257"/>
+            <ac:picMk id="59" creationId="{50008628-B3F7-6BB8-5B8A-5AFEAB02C254}"/>
           </ac:picMkLst>
         </pc:picChg>
         <pc:inkChg chg="mod">
@@ -4217,7 +4361,7 @@
           <a:p>
             <a:fld id="{54B5EF71-3848-8048-B7D2-636D112955BB}" type="datetimeFigureOut">
               <a:rPr lang="en-AT" smtClean="0"/>
-              <a:t>13.09.23</a:t>
+              <a:t>03.10.23</a:t>
             </a:fld>
             <a:endParaRPr lang="en-AT"/>
           </a:p>
@@ -4387,7 +4531,7 @@
           <a:p>
             <a:fld id="{54B5EF71-3848-8048-B7D2-636D112955BB}" type="datetimeFigureOut">
               <a:rPr lang="en-AT" smtClean="0"/>
-              <a:t>13.09.23</a:t>
+              <a:t>03.10.23</a:t>
             </a:fld>
             <a:endParaRPr lang="en-AT"/>
           </a:p>
@@ -4567,7 +4711,7 @@
           <a:p>
             <a:fld id="{54B5EF71-3848-8048-B7D2-636D112955BB}" type="datetimeFigureOut">
               <a:rPr lang="en-AT" smtClean="0"/>
-              <a:t>13.09.23</a:t>
+              <a:t>03.10.23</a:t>
             </a:fld>
             <a:endParaRPr lang="en-AT"/>
           </a:p>
@@ -4737,7 +4881,7 @@
           <a:p>
             <a:fld id="{54B5EF71-3848-8048-B7D2-636D112955BB}" type="datetimeFigureOut">
               <a:rPr lang="en-AT" smtClean="0"/>
-              <a:t>13.09.23</a:t>
+              <a:t>03.10.23</a:t>
             </a:fld>
             <a:endParaRPr lang="en-AT"/>
           </a:p>
@@ -4981,7 +5125,7 @@
           <a:p>
             <a:fld id="{54B5EF71-3848-8048-B7D2-636D112955BB}" type="datetimeFigureOut">
               <a:rPr lang="en-AT" smtClean="0"/>
-              <a:t>13.09.23</a:t>
+              <a:t>03.10.23</a:t>
             </a:fld>
             <a:endParaRPr lang="en-AT"/>
           </a:p>
@@ -5213,7 +5357,7 @@
           <a:p>
             <a:fld id="{54B5EF71-3848-8048-B7D2-636D112955BB}" type="datetimeFigureOut">
               <a:rPr lang="en-AT" smtClean="0"/>
-              <a:t>13.09.23</a:t>
+              <a:t>03.10.23</a:t>
             </a:fld>
             <a:endParaRPr lang="en-AT"/>
           </a:p>
@@ -5580,7 +5724,7 @@
           <a:p>
             <a:fld id="{54B5EF71-3848-8048-B7D2-636D112955BB}" type="datetimeFigureOut">
               <a:rPr lang="en-AT" smtClean="0"/>
-              <a:t>13.09.23</a:t>
+              <a:t>03.10.23</a:t>
             </a:fld>
             <a:endParaRPr lang="en-AT"/>
           </a:p>
@@ -5698,7 +5842,7 @@
           <a:p>
             <a:fld id="{54B5EF71-3848-8048-B7D2-636D112955BB}" type="datetimeFigureOut">
               <a:rPr lang="en-AT" smtClean="0"/>
-              <a:t>13.09.23</a:t>
+              <a:t>03.10.23</a:t>
             </a:fld>
             <a:endParaRPr lang="en-AT"/>
           </a:p>
@@ -5793,7 +5937,7 @@
           <a:p>
             <a:fld id="{54B5EF71-3848-8048-B7D2-636D112955BB}" type="datetimeFigureOut">
               <a:rPr lang="en-AT" smtClean="0"/>
-              <a:t>13.09.23</a:t>
+              <a:t>03.10.23</a:t>
             </a:fld>
             <a:endParaRPr lang="en-AT"/>
           </a:p>
@@ -6070,7 +6214,7 @@
           <a:p>
             <a:fld id="{54B5EF71-3848-8048-B7D2-636D112955BB}" type="datetimeFigureOut">
               <a:rPr lang="en-AT" smtClean="0"/>
-              <a:t>13.09.23</a:t>
+              <a:t>03.10.23</a:t>
             </a:fld>
             <a:endParaRPr lang="en-AT"/>
           </a:p>
@@ -6327,7 +6471,7 @@
           <a:p>
             <a:fld id="{54B5EF71-3848-8048-B7D2-636D112955BB}" type="datetimeFigureOut">
               <a:rPr lang="en-AT" smtClean="0"/>
-              <a:t>13.09.23</a:t>
+              <a:t>03.10.23</a:t>
             </a:fld>
             <a:endParaRPr lang="en-AT"/>
           </a:p>
@@ -6540,7 +6684,7 @@
           <a:p>
             <a:fld id="{54B5EF71-3848-8048-B7D2-636D112955BB}" type="datetimeFigureOut">
               <a:rPr lang="en-AT" smtClean="0"/>
-              <a:t>13.09.23</a:t>
+              <a:t>03.10.23</a:t>
             </a:fld>
             <a:endParaRPr lang="en-AT"/>
           </a:p>
@@ -6967,7 +7111,7 @@
         </p:blipFill>
         <p:spPr>
           <a:xfrm>
-            <a:off x="7313142" y="7034874"/>
+            <a:off x="7313793" y="7030996"/>
             <a:ext cx="3200400" cy="2463800"/>
           </a:xfrm>
           <a:prstGeom prst="rect">
@@ -7180,7 +7324,7 @@
         </p:blipFill>
         <p:spPr>
           <a:xfrm>
-            <a:off x="11224197" y="4359960"/>
+            <a:off x="11224197" y="4286882"/>
             <a:ext cx="2374900" cy="1549400"/>
           </a:xfrm>
           <a:prstGeom prst="rect">
@@ -7195,197 +7339,6 @@
           </a:ln>
         </p:spPr>
       </p:pic>
-      <p:grpSp>
-        <p:nvGrpSpPr>
-          <p:cNvPr id="3" name="Group 2">
-            <a:extLst>
-              <a:ext uri="{FF2B5EF4-FFF2-40B4-BE49-F238E27FC236}">
-                <a16:creationId xmlns:a16="http://schemas.microsoft.com/office/drawing/2014/main" id="{F64C00ED-8451-035B-1C10-61C425E0064D}"/>
-              </a:ext>
-            </a:extLst>
-          </p:cNvPr>
-          <p:cNvGrpSpPr/>
-          <p:nvPr/>
-        </p:nvGrpSpPr>
-        <p:grpSpPr>
-          <a:xfrm>
-            <a:off x="10744261" y="7312724"/>
-            <a:ext cx="2965578" cy="1908100"/>
-            <a:chOff x="14548622" y="7684677"/>
-            <a:chExt cx="2965578" cy="1908100"/>
-          </a:xfrm>
-        </p:grpSpPr>
-        <p:grpSp>
-          <p:nvGrpSpPr>
-            <p:cNvPr id="2" name="Group 1">
-              <a:extLst>
-                <a:ext uri="{FF2B5EF4-FFF2-40B4-BE49-F238E27FC236}">
-                  <a16:creationId xmlns:a16="http://schemas.microsoft.com/office/drawing/2014/main" id="{7B6259F8-C277-854A-5557-03DD35ACA465}"/>
-                </a:ext>
-              </a:extLst>
-            </p:cNvPr>
-            <p:cNvGrpSpPr/>
-            <p:nvPr/>
-          </p:nvGrpSpPr>
-          <p:grpSpPr>
-            <a:xfrm>
-              <a:off x="14548622" y="7684677"/>
-              <a:ext cx="2965578" cy="1908100"/>
-              <a:chOff x="8079380" y="650568"/>
-              <a:chExt cx="3830763" cy="3522300"/>
-            </a:xfrm>
-          </p:grpSpPr>
-          <p:pic>
-            <p:nvPicPr>
-              <p:cNvPr id="1133" name="Picture 23">
-                <a:extLst>
-                  <a:ext uri="{FF2B5EF4-FFF2-40B4-BE49-F238E27FC236}">
-                    <a16:creationId xmlns:a16="http://schemas.microsoft.com/office/drawing/2014/main" id="{ECEA2D66-736B-59C5-1BE7-2D637BB51C1D}"/>
-                  </a:ext>
-                </a:extLst>
-              </p:cNvPr>
-              <p:cNvPicPr>
-                <a:picLocks noChangeAspect="1" noChangeArrowheads="1"/>
-              </p:cNvPicPr>
-              <p:nvPr/>
-            </p:nvPicPr>
-            <p:blipFill>
-              <a:blip r:embed="rId10">
-                <a:extLst>
-                  <a:ext uri="{28A0092B-C50C-407E-A947-70E740481C1C}">
-                    <a14:useLocalDpi xmlns:a14="http://schemas.microsoft.com/office/drawing/2010/main" val="0"/>
-                  </a:ext>
-                </a:extLst>
-              </a:blip>
-              <a:srcRect/>
-              <a:stretch>
-                <a:fillRect/>
-              </a:stretch>
-            </p:blipFill>
-            <p:spPr bwMode="auto">
-              <a:xfrm>
-                <a:off x="8079380" y="650568"/>
-                <a:ext cx="3830763" cy="3522300"/>
-              </a:xfrm>
-              <a:prstGeom prst="rect">
-                <a:avLst/>
-              </a:prstGeom>
-              <a:noFill/>
-              <a:ln>
-                <a:solidFill>
-                  <a:schemeClr val="accent1"/>
-                </a:solidFill>
-              </a:ln>
-              <a:extLst>
-                <a:ext uri="{909E8E84-426E-40DD-AFC4-6F175D3DCCD1}">
-                  <a14:hiddenFill xmlns:a14="http://schemas.microsoft.com/office/drawing/2010/main">
-                    <a:solidFill>
-                      <a:srgbClr val="FFFFFF"/>
-                    </a:solidFill>
-                  </a14:hiddenFill>
-                </a:ext>
-              </a:extLst>
-            </p:spPr>
-          </p:pic>
-          <p:sp>
-            <p:nvSpPr>
-              <p:cNvPr id="56" name="TextBox 55">
-                <a:extLst>
-                  <a:ext uri="{FF2B5EF4-FFF2-40B4-BE49-F238E27FC236}">
-                    <a16:creationId xmlns:a16="http://schemas.microsoft.com/office/drawing/2014/main" id="{16E15B9E-3CAD-B794-98DC-14748E548D82}"/>
-                  </a:ext>
-                </a:extLst>
-              </p:cNvPr>
-              <p:cNvSpPr txBox="1"/>
-              <p:nvPr/>
-            </p:nvSpPr>
-            <p:spPr>
-              <a:xfrm>
-                <a:off x="9772650" y="1343025"/>
-                <a:ext cx="1629420" cy="369332"/>
-              </a:xfrm>
-              <a:prstGeom prst="rect">
-                <a:avLst/>
-              </a:prstGeom>
-              <a:noFill/>
-            </p:spPr>
-            <p:txBody>
-              <a:bodyPr wrap="none" rtlCol="0">
-                <a:spAutoFit/>
-              </a:bodyPr>
-              <a:lstStyle/>
-              <a:p>
-                <a:r>
-                  <a:rPr lang="en-US" dirty="0" err="1"/>
-                  <a:t>cummulative</a:t>
-                </a:r>
-                <a:r>
-                  <a:rPr lang="en-US" dirty="0"/>
-                  <a:t>!!!</a:t>
-                </a:r>
-                <a:endParaRPr lang="en-AT" dirty="0"/>
-              </a:p>
-            </p:txBody>
-          </p:sp>
-        </p:grpSp>
-        <p:pic>
-          <p:nvPicPr>
-            <p:cNvPr id="1028" name="Picture 4" descr="To be continued&quot; Sticker for Sale by afstuff | Redbubble">
-              <a:extLst>
-                <a:ext uri="{FF2B5EF4-FFF2-40B4-BE49-F238E27FC236}">
-                  <a16:creationId xmlns:a16="http://schemas.microsoft.com/office/drawing/2014/main" id="{573C9B83-E464-7E62-8D63-C0F6BF774B85}"/>
-                </a:ext>
-              </a:extLst>
-            </p:cNvPr>
-            <p:cNvPicPr>
-              <a:picLocks noChangeAspect="1" noChangeArrowheads="1"/>
-            </p:cNvPicPr>
-            <p:nvPr/>
-          </p:nvPicPr>
-          <p:blipFill>
-            <a:blip r:embed="rId11">
-              <a:clrChange>
-                <a:clrFrom>
-                  <a:srgbClr val="F8F8F8"/>
-                </a:clrFrom>
-                <a:clrTo>
-                  <a:srgbClr val="F8F8F8">
-                    <a:alpha val="0"/>
-                  </a:srgbClr>
-                </a:clrTo>
-              </a:clrChange>
-              <a:extLst>
-                <a:ext uri="{28A0092B-C50C-407E-A947-70E740481C1C}">
-                  <a14:useLocalDpi xmlns:a14="http://schemas.microsoft.com/office/drawing/2010/main" val="0"/>
-                </a:ext>
-              </a:extLst>
-            </a:blip>
-            <a:srcRect/>
-            <a:stretch>
-              <a:fillRect/>
-            </a:stretch>
-          </p:blipFill>
-          <p:spPr bwMode="auto">
-            <a:xfrm>
-              <a:off x="14701022" y="7842952"/>
-              <a:ext cx="1749825" cy="1749825"/>
-            </a:xfrm>
-            <a:prstGeom prst="rect">
-              <a:avLst/>
-            </a:prstGeom>
-            <a:noFill/>
-            <a:extLst>
-              <a:ext uri="{909E8E84-426E-40DD-AFC4-6F175D3DCCD1}">
-                <a14:hiddenFill xmlns:a14="http://schemas.microsoft.com/office/drawing/2010/main">
-                  <a:solidFill>
-                    <a:srgbClr val="FFFFFF"/>
-                  </a:solidFill>
-                </a14:hiddenFill>
-              </a:ext>
-            </a:extLst>
-          </p:spPr>
-        </p:pic>
-      </p:grpSp>
       <p:cxnSp>
         <p:nvCxnSpPr>
           <p:cNvPr id="1196" name="Straight Arrow Connector 1195">
@@ -7432,10 +7385,10 @@
       </p:cxnSp>
       <p:sp>
         <p:nvSpPr>
-          <p:cNvPr id="4" name="TextBox 3">
+          <p:cNvPr id="7" name="TextBox 6">
             <a:extLst>
               <a:ext uri="{FF2B5EF4-FFF2-40B4-BE49-F238E27FC236}">
-                <a16:creationId xmlns:a16="http://schemas.microsoft.com/office/drawing/2014/main" id="{EA61D29A-9C46-B0DC-240B-C9218EAF23FB}"/>
+                <a16:creationId xmlns:a16="http://schemas.microsoft.com/office/drawing/2014/main" id="{864DA2CF-3F70-5C37-BF71-69B80826814B}"/>
               </a:ext>
             </a:extLst>
           </p:cNvPr>
@@ -7444,8 +7397,8 @@
         </p:nvSpPr>
         <p:spPr>
           <a:xfrm>
-            <a:off x="14565086" y="8245929"/>
-            <a:ext cx="802079" cy="369332"/>
+            <a:off x="595277" y="737597"/>
+            <a:ext cx="340158" cy="400110"/>
           </a:xfrm>
           <a:prstGeom prst="rect">
             <a:avLst/>
@@ -7459,9 +7412,419 @@
           <a:lstStyle/>
           <a:p>
             <a:r>
-              <a:rPr lang="en-AT" dirty="0"/>
-              <a:t>not inf</a:t>
+              <a:rPr lang="en-AT" sz="2000" b="1" dirty="0"/>
+              <a:t>A</a:t>
             </a:r>
+          </a:p>
+        </p:txBody>
+      </p:sp>
+      <p:sp>
+        <p:nvSpPr>
+          <p:cNvPr id="8" name="TextBox 7">
+            <a:extLst>
+              <a:ext uri="{FF2B5EF4-FFF2-40B4-BE49-F238E27FC236}">
+                <a16:creationId xmlns:a16="http://schemas.microsoft.com/office/drawing/2014/main" id="{01C18408-1469-48DA-8DB2-F85175EB97E7}"/>
+              </a:ext>
+            </a:extLst>
+          </p:cNvPr>
+          <p:cNvSpPr txBox="1"/>
+          <p:nvPr/>
+        </p:nvSpPr>
+        <p:spPr>
+          <a:xfrm>
+            <a:off x="5457909" y="737597"/>
+            <a:ext cx="328936" cy="400110"/>
+          </a:xfrm>
+          <a:prstGeom prst="rect">
+            <a:avLst/>
+          </a:prstGeom>
+          <a:noFill/>
+        </p:spPr>
+        <p:txBody>
+          <a:bodyPr wrap="none" rtlCol="0">
+            <a:spAutoFit/>
+          </a:bodyPr>
+          <a:lstStyle/>
+          <a:p>
+            <a:r>
+              <a:rPr lang="en-AT" sz="2000" b="1" dirty="0"/>
+              <a:t>B</a:t>
+            </a:r>
+          </a:p>
+        </p:txBody>
+      </p:sp>
+      <p:sp>
+        <p:nvSpPr>
+          <p:cNvPr id="9" name="TextBox 8">
+            <a:extLst>
+              <a:ext uri="{FF2B5EF4-FFF2-40B4-BE49-F238E27FC236}">
+                <a16:creationId xmlns:a16="http://schemas.microsoft.com/office/drawing/2014/main" id="{626FFE6D-7FDC-C562-6096-0C8E080865CA}"/>
+              </a:ext>
+            </a:extLst>
+          </p:cNvPr>
+          <p:cNvSpPr txBox="1"/>
+          <p:nvPr/>
+        </p:nvSpPr>
+        <p:spPr>
+          <a:xfrm>
+            <a:off x="599064" y="4224952"/>
+            <a:ext cx="320922" cy="400110"/>
+          </a:xfrm>
+          <a:prstGeom prst="rect">
+            <a:avLst/>
+          </a:prstGeom>
+          <a:noFill/>
+        </p:spPr>
+        <p:txBody>
+          <a:bodyPr wrap="none" rtlCol="0">
+            <a:spAutoFit/>
+          </a:bodyPr>
+          <a:lstStyle/>
+          <a:p>
+            <a:r>
+              <a:rPr lang="en-AT" sz="2000" b="1" dirty="0"/>
+              <a:t>C</a:t>
+            </a:r>
+          </a:p>
+        </p:txBody>
+      </p:sp>
+      <p:sp>
+        <p:nvSpPr>
+          <p:cNvPr id="10" name="TextBox 9">
+            <a:extLst>
+              <a:ext uri="{FF2B5EF4-FFF2-40B4-BE49-F238E27FC236}">
+                <a16:creationId xmlns:a16="http://schemas.microsoft.com/office/drawing/2014/main" id="{5CB14963-7A35-4500-2DF7-F146956D8895}"/>
+              </a:ext>
+            </a:extLst>
+          </p:cNvPr>
+          <p:cNvSpPr txBox="1"/>
+          <p:nvPr/>
+        </p:nvSpPr>
+        <p:spPr>
+          <a:xfrm>
+            <a:off x="595277" y="8262896"/>
+            <a:ext cx="346570" cy="400110"/>
+          </a:xfrm>
+          <a:prstGeom prst="rect">
+            <a:avLst/>
+          </a:prstGeom>
+          <a:noFill/>
+        </p:spPr>
+        <p:txBody>
+          <a:bodyPr wrap="none" rtlCol="0">
+            <a:spAutoFit/>
+          </a:bodyPr>
+          <a:lstStyle/>
+          <a:p>
+            <a:r>
+              <a:rPr lang="en-AT" sz="2000" b="1" dirty="0"/>
+              <a:t>D</a:t>
+            </a:r>
+          </a:p>
+        </p:txBody>
+      </p:sp>
+      <p:sp>
+        <p:nvSpPr>
+          <p:cNvPr id="11" name="TextBox 10">
+            <a:extLst>
+              <a:ext uri="{FF2B5EF4-FFF2-40B4-BE49-F238E27FC236}">
+                <a16:creationId xmlns:a16="http://schemas.microsoft.com/office/drawing/2014/main" id="{C74540B5-F74E-0350-FE91-3540481E1894}"/>
+              </a:ext>
+            </a:extLst>
+          </p:cNvPr>
+          <p:cNvSpPr txBox="1"/>
+          <p:nvPr/>
+        </p:nvSpPr>
+        <p:spPr>
+          <a:xfrm>
+            <a:off x="9133085" y="733030"/>
+            <a:ext cx="309700" cy="400110"/>
+          </a:xfrm>
+          <a:prstGeom prst="rect">
+            <a:avLst/>
+          </a:prstGeom>
+          <a:noFill/>
+        </p:spPr>
+        <p:txBody>
+          <a:bodyPr wrap="none" rtlCol="0">
+            <a:spAutoFit/>
+          </a:bodyPr>
+          <a:lstStyle/>
+          <a:p>
+            <a:r>
+              <a:rPr lang="en-AT" sz="2000" b="1" dirty="0"/>
+              <a:t>E</a:t>
+            </a:r>
+          </a:p>
+        </p:txBody>
+      </p:sp>
+      <p:sp>
+        <p:nvSpPr>
+          <p:cNvPr id="12" name="TextBox 11">
+            <a:extLst>
+              <a:ext uri="{FF2B5EF4-FFF2-40B4-BE49-F238E27FC236}">
+                <a16:creationId xmlns:a16="http://schemas.microsoft.com/office/drawing/2014/main" id="{80AE70D8-64AE-4377-A498-E1DE7F967E99}"/>
+              </a:ext>
+            </a:extLst>
+          </p:cNvPr>
+          <p:cNvSpPr txBox="1"/>
+          <p:nvPr/>
+        </p:nvSpPr>
+        <p:spPr>
+          <a:xfrm>
+            <a:off x="9133085" y="3138772"/>
+            <a:ext cx="303288" cy="400110"/>
+          </a:xfrm>
+          <a:prstGeom prst="rect">
+            <a:avLst/>
+          </a:prstGeom>
+          <a:noFill/>
+        </p:spPr>
+        <p:txBody>
+          <a:bodyPr wrap="none" rtlCol="0">
+            <a:spAutoFit/>
+          </a:bodyPr>
+          <a:lstStyle/>
+          <a:p>
+            <a:r>
+              <a:rPr lang="en-AT" sz="2000" b="1" dirty="0"/>
+              <a:t>F</a:t>
+            </a:r>
+          </a:p>
+        </p:txBody>
+      </p:sp>
+      <p:sp>
+        <p:nvSpPr>
+          <p:cNvPr id="13" name="TextBox 12">
+            <a:extLst>
+              <a:ext uri="{FF2B5EF4-FFF2-40B4-BE49-F238E27FC236}">
+                <a16:creationId xmlns:a16="http://schemas.microsoft.com/office/drawing/2014/main" id="{CF575C4A-07D9-E787-7A99-3CF5844FE847}"/>
+              </a:ext>
+            </a:extLst>
+          </p:cNvPr>
+          <p:cNvSpPr txBox="1"/>
+          <p:nvPr/>
+        </p:nvSpPr>
+        <p:spPr>
+          <a:xfrm>
+            <a:off x="7210306" y="4224952"/>
+            <a:ext cx="346570" cy="400110"/>
+          </a:xfrm>
+          <a:prstGeom prst="rect">
+            <a:avLst/>
+          </a:prstGeom>
+          <a:noFill/>
+        </p:spPr>
+        <p:txBody>
+          <a:bodyPr wrap="none" rtlCol="0">
+            <a:spAutoFit/>
+          </a:bodyPr>
+          <a:lstStyle/>
+          <a:p>
+            <a:r>
+              <a:rPr lang="en-AT" sz="2000" b="1" dirty="0"/>
+              <a:t>G</a:t>
+            </a:r>
+          </a:p>
+        </p:txBody>
+      </p:sp>
+      <p:sp>
+        <p:nvSpPr>
+          <p:cNvPr id="14" name="TextBox 13">
+            <a:extLst>
+              <a:ext uri="{FF2B5EF4-FFF2-40B4-BE49-F238E27FC236}">
+                <a16:creationId xmlns:a16="http://schemas.microsoft.com/office/drawing/2014/main" id="{552A1464-0785-AB09-632B-E45949D1AD12}"/>
+              </a:ext>
+            </a:extLst>
+          </p:cNvPr>
+          <p:cNvSpPr txBox="1"/>
+          <p:nvPr/>
+        </p:nvSpPr>
+        <p:spPr>
+          <a:xfrm>
+            <a:off x="10755093" y="4224952"/>
+            <a:ext cx="344966" cy="400110"/>
+          </a:xfrm>
+          <a:prstGeom prst="rect">
+            <a:avLst/>
+          </a:prstGeom>
+          <a:noFill/>
+        </p:spPr>
+        <p:txBody>
+          <a:bodyPr wrap="none" rtlCol="0">
+            <a:spAutoFit/>
+          </a:bodyPr>
+          <a:lstStyle/>
+          <a:p>
+            <a:r>
+              <a:rPr lang="en-AT" sz="2000" b="1" dirty="0"/>
+              <a:t>H</a:t>
+            </a:r>
+          </a:p>
+        </p:txBody>
+      </p:sp>
+      <p:sp>
+        <p:nvSpPr>
+          <p:cNvPr id="15" name="TextBox 14">
+            <a:extLst>
+              <a:ext uri="{FF2B5EF4-FFF2-40B4-BE49-F238E27FC236}">
+                <a16:creationId xmlns:a16="http://schemas.microsoft.com/office/drawing/2014/main" id="{E1D87D06-0486-80BD-AD27-BB140F2EA57D}"/>
+              </a:ext>
+            </a:extLst>
+          </p:cNvPr>
+          <p:cNvSpPr txBox="1"/>
+          <p:nvPr/>
+        </p:nvSpPr>
+        <p:spPr>
+          <a:xfrm>
+            <a:off x="7211421" y="7030682"/>
+            <a:ext cx="253596" cy="400110"/>
+          </a:xfrm>
+          <a:prstGeom prst="rect">
+            <a:avLst/>
+          </a:prstGeom>
+          <a:noFill/>
+        </p:spPr>
+        <p:txBody>
+          <a:bodyPr wrap="none" rtlCol="0">
+            <a:spAutoFit/>
+          </a:bodyPr>
+          <a:lstStyle/>
+          <a:p>
+            <a:r>
+              <a:rPr lang="en-AT" sz="2000" b="1" dirty="0"/>
+              <a:t>I</a:t>
+            </a:r>
+          </a:p>
+        </p:txBody>
+      </p:sp>
+      <p:sp>
+        <p:nvSpPr>
+          <p:cNvPr id="16" name="TextBox 15">
+            <a:extLst>
+              <a:ext uri="{FF2B5EF4-FFF2-40B4-BE49-F238E27FC236}">
+                <a16:creationId xmlns:a16="http://schemas.microsoft.com/office/drawing/2014/main" id="{7B93491D-5F35-89BD-6445-CA4EA71F2E57}"/>
+              </a:ext>
+            </a:extLst>
+          </p:cNvPr>
+          <p:cNvSpPr txBox="1"/>
+          <p:nvPr/>
+        </p:nvSpPr>
+        <p:spPr>
+          <a:xfrm>
+            <a:off x="935435" y="10842171"/>
+            <a:ext cx="12774404" cy="5632311"/>
+          </a:xfrm>
+          <a:prstGeom prst="rect">
+            <a:avLst/>
+          </a:prstGeom>
+          <a:noFill/>
+        </p:spPr>
+        <p:txBody>
+          <a:bodyPr wrap="square" rtlCol="0">
+            <a:spAutoFit/>
+          </a:bodyPr>
+          <a:lstStyle/>
+          <a:p>
+            <a:r>
+              <a:rPr lang="en-GB" dirty="0"/>
+              <a:t>Figure: Structural Variants</a:t>
+            </a:r>
+          </a:p>
+          <a:p>
+            <a:r>
+              <a:rPr lang="en-GB" dirty="0"/>
+              <a:t>A. Toy example of two types of structural variants (SVs) distinguished by the multiple alignment of genomes. Top: representation of these types in alignment. Bottom: representation of the alignment fragment in the genome graph. While a single event corresponds to one bubble in the graph, a multiple event is described by multiple bubbles.</a:t>
+            </a:r>
+          </a:p>
+          <a:p>
+            <a:r>
+              <a:rPr lang="en-GB" dirty="0"/>
+              <a:t>B. Distribution of the absolute number of SVs of two types, based on their length. The prevalence of short-length single-event SVs is explained by the low probability of multiple events at this scale.</a:t>
+            </a:r>
+          </a:p>
+          <a:p>
+            <a:r>
+              <a:rPr lang="en-GB" dirty="0"/>
+              <a:t>C. Density distribution of bubbles along the first chromosome. A higher density is observed in pericentromeric regions and in the region of the previous centromere (to the right side of the centromere).</a:t>
+            </a:r>
+          </a:p>
+          <a:p>
+            <a:r>
+              <a:rPr lang="en-GB" dirty="0"/>
+              <a:t>D. Distribution of pi diversity based on SNPs called from the multiple alignment. The shape of the distribution matches the density distribution of bubbles.</a:t>
+            </a:r>
+          </a:p>
+          <a:p>
+            <a:r>
+              <a:rPr lang="en-GB" dirty="0"/>
+              <a:t>E. Correspondence between pan-genome coordinates and the reference genome coordinates. A nonlinear spatial dependency is observed. Pericentromeric regions show a higher "dilution" of the spatial coordinate, indicating an increased number of structural variants in this zone.</a:t>
+            </a:r>
+          </a:p>
+          <a:p>
+            <a:r>
+              <a:rPr lang="en-GB" dirty="0"/>
+              <a:t>F. The observed stretching of the spatial coordinate is supported by the distribution of multiple-event SVs, which are concentrated in the pericentromeric regions and are typically longer than single-event SVs.</a:t>
+            </a:r>
+          </a:p>
+          <a:p>
+            <a:r>
+              <a:rPr lang="en-GB" dirty="0"/>
+              <a:t>G. Distribution of the absolute number of </a:t>
+            </a:r>
+            <a:r>
+              <a:rPr lang="en-GB" dirty="0" err="1"/>
+              <a:t>seSVs</a:t>
+            </a:r>
+            <a:r>
+              <a:rPr lang="en-GB" dirty="0"/>
+              <a:t> of different lengths according to their frequency of presence. Short </a:t>
+            </a:r>
+            <a:r>
+              <a:rPr lang="en-GB" dirty="0" err="1"/>
+              <a:t>seSVs</a:t>
+            </a:r>
+            <a:r>
+              <a:rPr lang="en-GB" dirty="0"/>
+              <a:t> were </a:t>
+            </a:r>
+            <a:r>
+              <a:rPr lang="en-GB" dirty="0" err="1"/>
+              <a:t>subplotted</a:t>
+            </a:r>
+            <a:r>
+              <a:rPr lang="en-GB" dirty="0"/>
+              <a:t> separately due to their extreme abundance. Short SVs tend to be deletions, while long SVs tend to be insertions.</a:t>
+            </a:r>
+          </a:p>
+          <a:p>
+            <a:r>
+              <a:rPr lang="en-GB" dirty="0"/>
+              <a:t>H. U-shaped cumulative distribution of the absolute number of </a:t>
+            </a:r>
+            <a:r>
+              <a:rPr lang="en-GB" dirty="0" err="1"/>
+              <a:t>seSVs</a:t>
+            </a:r>
+            <a:r>
+              <a:rPr lang="en-GB" dirty="0"/>
+              <a:t> with a length &gt; 15bp, based on their frequency of presence.</a:t>
+            </a:r>
+          </a:p>
+          <a:p>
+            <a:r>
+              <a:rPr lang="en-GB" dirty="0"/>
+              <a:t>I. Normalized distribution of the number of </a:t>
+            </a:r>
+            <a:r>
+              <a:rPr lang="en-GB" dirty="0" err="1"/>
+              <a:t>seSVs</a:t>
+            </a:r>
+            <a:r>
+              <a:rPr lang="en-GB" dirty="0"/>
+              <a:t> with a length &gt; 15bp according to their frequency of presence. Bars show a smooth trend.</a:t>
+            </a:r>
+            <a:endParaRPr lang="en-AT" dirty="0"/>
           </a:p>
         </p:txBody>
       </p:sp>
@@ -13138,6 +13501,66 @@
           </p:cxnSp>
         </p:grpSp>
       </p:grpSp>
+      <p:pic>
+        <p:nvPicPr>
+          <p:cNvPr id="58" name="Picture 57">
+            <a:extLst>
+              <a:ext uri="{FF2B5EF4-FFF2-40B4-BE49-F238E27FC236}">
+                <a16:creationId xmlns:a16="http://schemas.microsoft.com/office/drawing/2014/main" id="{3B49DC91-FA82-58B1-E0D7-1EBEF4CB5E27}"/>
+              </a:ext>
+            </a:extLst>
+          </p:cNvPr>
+          <p:cNvPicPr>
+            <a:picLocks noChangeAspect="1"/>
+          </p:cNvPicPr>
+          <p:nvPr/>
+        </p:nvPicPr>
+        <p:blipFill>
+          <a:blip r:embed="rId2"/>
+          <a:stretch>
+            <a:fillRect/>
+          </a:stretch>
+        </p:blipFill>
+        <p:spPr>
+          <a:xfrm>
+            <a:off x="657318" y="6943232"/>
+            <a:ext cx="7772400" cy="4901415"/>
+          </a:xfrm>
+          <a:prstGeom prst="rect">
+            <a:avLst/>
+          </a:prstGeom>
+        </p:spPr>
+      </p:pic>
+      <p:pic>
+        <p:nvPicPr>
+          <p:cNvPr id="59" name="Picture 58">
+            <a:extLst>
+              <a:ext uri="{FF2B5EF4-FFF2-40B4-BE49-F238E27FC236}">
+                <a16:creationId xmlns:a16="http://schemas.microsoft.com/office/drawing/2014/main" id="{50008628-B3F7-6BB8-5B8A-5AFEAB02C254}"/>
+              </a:ext>
+            </a:extLst>
+          </p:cNvPr>
+          <p:cNvPicPr>
+            <a:picLocks noChangeAspect="1"/>
+          </p:cNvPicPr>
+          <p:nvPr/>
+        </p:nvPicPr>
+        <p:blipFill>
+          <a:blip r:embed="rId3"/>
+          <a:stretch>
+            <a:fillRect/>
+          </a:stretch>
+        </p:blipFill>
+        <p:spPr>
+          <a:xfrm>
+            <a:off x="8553423" y="6943232"/>
+            <a:ext cx="7772400" cy="4812013"/>
+          </a:xfrm>
+          <a:prstGeom prst="rect">
+            <a:avLst/>
+          </a:prstGeom>
+        </p:spPr>
+      </p:pic>
     </p:spTree>
     <p:extLst>
       <p:ext uri="{BB962C8B-B14F-4D97-AF65-F5344CB8AC3E}">

--- a/03_combo_figures/ig_2023_08_18_fig_sv.pptx
+++ b/03_combo_figures/ig_2023_08_18_fig_sv.pptx
@@ -115,25 +115,41 @@
 </p:presentation>
 </file>
 
-<file path=ppt/revisionInfo.xml><?xml version="1.0" encoding="utf-8"?>
-<p1510:revInfo xmlns:a="http://schemas.openxmlformats.org/drawingml/2006/main" xmlns:r="http://schemas.openxmlformats.org/officeDocument/2006/relationships" xmlns:p1510="http://schemas.microsoft.com/office/powerpoint/2015/10/main">
-  <p1510:revLst>
-    <p1510:client id="{1720320C-2886-A44F-B1A5-AC29DAC23C38}" v="728" dt="2023-10-03T08:09:06.389"/>
-  </p1510:revLst>
-</p1510:revInfo>
-</file>
-
 <file path=ppt/changesInfos/changesInfo1.xml><?xml version="1.0" encoding="utf-8"?>
 <pc:chgInfo xmlns:a="http://schemas.openxmlformats.org/drawingml/2006/main" xmlns:r="http://schemas.openxmlformats.org/officeDocument/2006/relationships" xmlns:ac="http://schemas.microsoft.com/office/drawing/2013/main/command" xmlns:pc="http://schemas.microsoft.com/office/powerpoint/2013/main/command">
   <pc:docChgLst>
+    <pc:chgData name="Ann Igolkina" userId="4d1b5d7ddf2bbc78" providerId="LiveId" clId="{C564B064-7603-9F4A-8B11-79CF85D30AD5}"/>
+    <pc:docChg chg="modSld">
+      <pc:chgData name="Ann Igolkina" userId="4d1b5d7ddf2bbc78" providerId="LiveId" clId="{C564B064-7603-9F4A-8B11-79CF85D30AD5}" dt="2023-11-15T12:50:17.644" v="0" actId="164"/>
+      <pc:docMkLst>
+        <pc:docMk/>
+      </pc:docMkLst>
+      <pc:sldChg chg="addSp mod">
+        <pc:chgData name="Ann Igolkina" userId="4d1b5d7ddf2bbc78" providerId="LiveId" clId="{C564B064-7603-9F4A-8B11-79CF85D30AD5}" dt="2023-11-15T12:50:17.644" v="0" actId="164"/>
+        <pc:sldMkLst>
+          <pc:docMk/>
+          <pc:sldMk cId="3114100624" sldId="256"/>
+        </pc:sldMkLst>
+        <pc:grpChg chg="add">
+          <ac:chgData name="Ann Igolkina" userId="4d1b5d7ddf2bbc78" providerId="LiveId" clId="{C564B064-7603-9F4A-8B11-79CF85D30AD5}" dt="2023-11-15T12:50:17.644" v="0" actId="164"/>
+          <ac:grpSpMkLst>
+            <pc:docMk/>
+            <pc:sldMk cId="3114100624" sldId="256"/>
+            <ac:grpSpMk id="2" creationId="{FE28943A-04A5-770C-E6F2-E4320B1B44F1}"/>
+          </ac:grpSpMkLst>
+        </pc:grpChg>
+      </pc:sldChg>
+    </pc:docChg>
+  </pc:docChgLst>
+  <pc:docChgLst>
     <pc:chgData name="Ann Igolkina" userId="4d1b5d7ddf2bbc78" providerId="LiveId" clId="{1720320C-2886-A44F-B1A5-AC29DAC23C38}"/>
     <pc:docChg chg="undo redo custSel addSld delSld modSld">
-      <pc:chgData name="Ann Igolkina" userId="4d1b5d7ddf2bbc78" providerId="LiveId" clId="{1720320C-2886-A44F-B1A5-AC29DAC23C38}" dt="2023-10-03T08:09:11.910" v="2200" actId="1076"/>
+      <pc:chgData name="Ann Igolkina" userId="4d1b5d7ddf2bbc78" providerId="LiveId" clId="{1720320C-2886-A44F-B1A5-AC29DAC23C38}" dt="2023-10-05T09:50:44.251" v="2216" actId="9405"/>
       <pc:docMkLst>
         <pc:docMk/>
       </pc:docMkLst>
       <pc:sldChg chg="addSp delSp modSp mod">
-        <pc:chgData name="Ann Igolkina" userId="4d1b5d7ddf2bbc78" providerId="LiveId" clId="{1720320C-2886-A44F-B1A5-AC29DAC23C38}" dt="2023-10-03T08:09:04.316" v="2197" actId="21"/>
+        <pc:chgData name="Ann Igolkina" userId="4d1b5d7ddf2bbc78" providerId="LiveId" clId="{1720320C-2886-A44F-B1A5-AC29DAC23C38}" dt="2023-10-05T09:50:44.251" v="2216" actId="9405"/>
         <pc:sldMkLst>
           <pc:docMk/>
           <pc:sldMk cId="3114100624" sldId="256"/>
@@ -387,6 +403,14 @@
           </ac:grpSpMkLst>
         </pc:grpChg>
         <pc:grpChg chg="add del mod">
+          <ac:chgData name="Ann Igolkina" userId="4d1b5d7ddf2bbc78" providerId="LiveId" clId="{1720320C-2886-A44F-B1A5-AC29DAC23C38}" dt="2023-10-05T09:50:42.294" v="2213"/>
+          <ac:grpSpMkLst>
+            <pc:docMk/>
+            <pc:sldMk cId="3114100624" sldId="256"/>
+            <ac:grpSpMk id="6" creationId="{72238FD8-B5DB-68A0-7871-48EE8C2C89E1}"/>
+          </ac:grpSpMkLst>
+        </pc:grpChg>
+        <pc:grpChg chg="add del mod">
           <ac:chgData name="Ann Igolkina" userId="4d1b5d7ddf2bbc78" providerId="LiveId" clId="{1720320C-2886-A44F-B1A5-AC29DAC23C38}" dt="2023-09-08T11:59:20.674" v="706"/>
           <ac:grpSpMkLst>
             <pc:docMk/>
@@ -402,6 +426,14 @@
             <ac:grpSpMk id="15" creationId="{F3B58CD2-3BBC-15B4-BC17-BCD995BC9597}"/>
           </ac:grpSpMkLst>
         </pc:grpChg>
+        <pc:grpChg chg="mod">
+          <ac:chgData name="Ann Igolkina" userId="4d1b5d7ddf2bbc78" providerId="LiveId" clId="{1720320C-2886-A44F-B1A5-AC29DAC23C38}" dt="2023-10-05T09:50:42.242" v="2211"/>
+          <ac:grpSpMkLst>
+            <pc:docMk/>
+            <pc:sldMk cId="3114100624" sldId="256"/>
+            <ac:grpSpMk id="18" creationId="{0DEC3322-C45B-B270-0F80-6AC97055CD9E}"/>
+          </ac:grpSpMkLst>
+        </pc:grpChg>
         <pc:grpChg chg="add del mod">
           <ac:chgData name="Ann Igolkina" userId="4d1b5d7ddf2bbc78" providerId="LiveId" clId="{1720320C-2886-A44F-B1A5-AC29DAC23C38}" dt="2023-09-08T12:23:57.312" v="783" actId="165"/>
           <ac:grpSpMkLst>
@@ -1338,6 +1370,38 @@
             <ac:picMk id="1194" creationId="{6F692ABD-1334-5D46-DCBC-DFA6307E29F7}"/>
           </ac:picMkLst>
         </pc:picChg>
+        <pc:inkChg chg="add del">
+          <ac:chgData name="Ann Igolkina" userId="4d1b5d7ddf2bbc78" providerId="LiveId" clId="{1720320C-2886-A44F-B1A5-AC29DAC23C38}" dt="2023-10-05T09:50:44.251" v="2216" actId="9405"/>
+          <ac:inkMkLst>
+            <pc:docMk/>
+            <pc:sldMk cId="3114100624" sldId="256"/>
+            <ac:inkMk id="2" creationId="{9AD39722-622A-CBD8-7D53-8A78C0ECBE02}"/>
+          </ac:inkMkLst>
+        </pc:inkChg>
+        <pc:inkChg chg="add del">
+          <ac:chgData name="Ann Igolkina" userId="4d1b5d7ddf2bbc78" providerId="LiveId" clId="{1720320C-2886-A44F-B1A5-AC29DAC23C38}" dt="2023-10-05T09:50:43.803" v="2215" actId="9405"/>
+          <ac:inkMkLst>
+            <pc:docMk/>
+            <pc:sldMk cId="3114100624" sldId="256"/>
+            <ac:inkMk id="3" creationId="{942FEB61-7403-CCA2-B837-520C001B3B21}"/>
+          </ac:inkMkLst>
+        </pc:inkChg>
+        <pc:inkChg chg="add del mod">
+          <ac:chgData name="Ann Igolkina" userId="4d1b5d7ddf2bbc78" providerId="LiveId" clId="{1720320C-2886-A44F-B1A5-AC29DAC23C38}" dt="2023-10-05T09:50:42.346" v="2214" actId="9405"/>
+          <ac:inkMkLst>
+            <pc:docMk/>
+            <pc:sldMk cId="3114100624" sldId="256"/>
+            <ac:inkMk id="4" creationId="{EFA4C4B3-A265-712D-8880-9F0675566224}"/>
+          </ac:inkMkLst>
+        </pc:inkChg>
+        <pc:inkChg chg="add del mod">
+          <ac:chgData name="Ann Igolkina" userId="4d1b5d7ddf2bbc78" providerId="LiveId" clId="{1720320C-2886-A44F-B1A5-AC29DAC23C38}" dt="2023-10-05T09:50:42.294" v="2213"/>
+          <ac:inkMkLst>
+            <pc:docMk/>
+            <pc:sldMk cId="3114100624" sldId="256"/>
+            <ac:inkMk id="5" creationId="{B68A8B54-9E47-2840-6173-1844BA21B7B5}"/>
+          </ac:inkMkLst>
+        </pc:inkChg>
         <pc:inkChg chg="add mod">
           <ac:chgData name="Ann Igolkina" userId="4d1b5d7ddf2bbc78" providerId="LiveId" clId="{1720320C-2886-A44F-B1A5-AC29DAC23C38}" dt="2023-09-08T11:59:33.489" v="718"/>
           <ac:inkMkLst>
@@ -1386,12 +1450,28 @@
             <ac:inkMk id="16" creationId="{60B7D087-8037-8CBA-A658-C7481B314B30}"/>
           </ac:inkMkLst>
         </pc:inkChg>
+        <pc:inkChg chg="add del mod">
+          <ac:chgData name="Ann Igolkina" userId="4d1b5d7ddf2bbc78" providerId="LiveId" clId="{1720320C-2886-A44F-B1A5-AC29DAC23C38}" dt="2023-10-05T09:50:42.242" v="2211"/>
+          <ac:inkMkLst>
+            <pc:docMk/>
+            <pc:sldMk cId="3114100624" sldId="256"/>
+            <ac:inkMk id="17" creationId="{2E3E5945-11F3-5021-65F2-1C321A699E22}"/>
+          </ac:inkMkLst>
+        </pc:inkChg>
         <pc:inkChg chg="add mod">
           <ac:chgData name="Ann Igolkina" userId="4d1b5d7ddf2bbc78" providerId="LiveId" clId="{1720320C-2886-A44F-B1A5-AC29DAC23C38}" dt="2023-09-08T11:55:40.447" v="632"/>
           <ac:inkMkLst>
             <pc:docMk/>
             <pc:sldMk cId="3114100624" sldId="256"/>
             <ac:inkMk id="19" creationId="{1DB36571-D4F3-7854-9906-6A61F2796B31}"/>
+          </ac:inkMkLst>
+        </pc:inkChg>
+        <pc:inkChg chg="add del">
+          <ac:chgData name="Ann Igolkina" userId="4d1b5d7ddf2bbc78" providerId="LiveId" clId="{1720320C-2886-A44F-B1A5-AC29DAC23C38}" dt="2023-10-05T09:50:42.194" v="2209" actId="9405"/>
+          <ac:inkMkLst>
+            <pc:docMk/>
+            <pc:sldMk cId="3114100624" sldId="256"/>
+            <ac:inkMk id="19" creationId="{34A48711-5569-674B-1F80-54E188BDC70B}"/>
           </ac:inkMkLst>
         </pc:inkChg>
         <pc:inkChg chg="add mod">
@@ -4361,7 +4441,7 @@
           <a:p>
             <a:fld id="{54B5EF71-3848-8048-B7D2-636D112955BB}" type="datetimeFigureOut">
               <a:rPr lang="en-AT" smtClean="0"/>
-              <a:t>03.10.23</a:t>
+              <a:t>15.11.23</a:t>
             </a:fld>
             <a:endParaRPr lang="en-AT"/>
           </a:p>
@@ -4531,7 +4611,7 @@
           <a:p>
             <a:fld id="{54B5EF71-3848-8048-B7D2-636D112955BB}" type="datetimeFigureOut">
               <a:rPr lang="en-AT" smtClean="0"/>
-              <a:t>03.10.23</a:t>
+              <a:t>15.11.23</a:t>
             </a:fld>
             <a:endParaRPr lang="en-AT"/>
           </a:p>
@@ -4711,7 +4791,7 @@
           <a:p>
             <a:fld id="{54B5EF71-3848-8048-B7D2-636D112955BB}" type="datetimeFigureOut">
               <a:rPr lang="en-AT" smtClean="0"/>
-              <a:t>03.10.23</a:t>
+              <a:t>15.11.23</a:t>
             </a:fld>
             <a:endParaRPr lang="en-AT"/>
           </a:p>
@@ -4881,7 +4961,7 @@
           <a:p>
             <a:fld id="{54B5EF71-3848-8048-B7D2-636D112955BB}" type="datetimeFigureOut">
               <a:rPr lang="en-AT" smtClean="0"/>
-              <a:t>03.10.23</a:t>
+              <a:t>15.11.23</a:t>
             </a:fld>
             <a:endParaRPr lang="en-AT"/>
           </a:p>
@@ -5125,7 +5205,7 @@
           <a:p>
             <a:fld id="{54B5EF71-3848-8048-B7D2-636D112955BB}" type="datetimeFigureOut">
               <a:rPr lang="en-AT" smtClean="0"/>
-              <a:t>03.10.23</a:t>
+              <a:t>15.11.23</a:t>
             </a:fld>
             <a:endParaRPr lang="en-AT"/>
           </a:p>
@@ -5357,7 +5437,7 @@
           <a:p>
             <a:fld id="{54B5EF71-3848-8048-B7D2-636D112955BB}" type="datetimeFigureOut">
               <a:rPr lang="en-AT" smtClean="0"/>
-              <a:t>03.10.23</a:t>
+              <a:t>15.11.23</a:t>
             </a:fld>
             <a:endParaRPr lang="en-AT"/>
           </a:p>
@@ -5724,7 +5804,7 @@
           <a:p>
             <a:fld id="{54B5EF71-3848-8048-B7D2-636D112955BB}" type="datetimeFigureOut">
               <a:rPr lang="en-AT" smtClean="0"/>
-              <a:t>03.10.23</a:t>
+              <a:t>15.11.23</a:t>
             </a:fld>
             <a:endParaRPr lang="en-AT"/>
           </a:p>
@@ -5842,7 +5922,7 @@
           <a:p>
             <a:fld id="{54B5EF71-3848-8048-B7D2-636D112955BB}" type="datetimeFigureOut">
               <a:rPr lang="en-AT" smtClean="0"/>
-              <a:t>03.10.23</a:t>
+              <a:t>15.11.23</a:t>
             </a:fld>
             <a:endParaRPr lang="en-AT"/>
           </a:p>
@@ -5937,7 +6017,7 @@
           <a:p>
             <a:fld id="{54B5EF71-3848-8048-B7D2-636D112955BB}" type="datetimeFigureOut">
               <a:rPr lang="en-AT" smtClean="0"/>
-              <a:t>03.10.23</a:t>
+              <a:t>15.11.23</a:t>
             </a:fld>
             <a:endParaRPr lang="en-AT"/>
           </a:p>
@@ -6214,7 +6294,7 @@
           <a:p>
             <a:fld id="{54B5EF71-3848-8048-B7D2-636D112955BB}" type="datetimeFigureOut">
               <a:rPr lang="en-AT" smtClean="0"/>
-              <a:t>03.10.23</a:t>
+              <a:t>15.11.23</a:t>
             </a:fld>
             <a:endParaRPr lang="en-AT"/>
           </a:p>
@@ -6471,7 +6551,7 @@
           <a:p>
             <a:fld id="{54B5EF71-3848-8048-B7D2-636D112955BB}" type="datetimeFigureOut">
               <a:rPr lang="en-AT" smtClean="0"/>
-              <a:t>03.10.23</a:t>
+              <a:t>15.11.23</a:t>
             </a:fld>
             <a:endParaRPr lang="en-AT"/>
           </a:p>
@@ -6684,7 +6764,7 @@
           <a:p>
             <a:fld id="{54B5EF71-3848-8048-B7D2-636D112955BB}" type="datetimeFigureOut">
               <a:rPr lang="en-AT" smtClean="0"/>
-              <a:t>03.10.23</a:t>
+              <a:t>15.11.23</a:t>
             </a:fld>
             <a:endParaRPr lang="en-AT"/>
           </a:p>
@@ -7089,615 +7169,636 @@
           <a:chExt cx="0" cy="0"/>
         </a:xfrm>
       </p:grpSpPr>
-      <p:pic>
-        <p:nvPicPr>
-          <p:cNvPr id="1194" name="Picture 1193">
+      <p:grpSp>
+        <p:nvGrpSpPr>
+          <p:cNvPr id="2" name="Group 1">
             <a:extLst>
               <a:ext uri="{FF2B5EF4-FFF2-40B4-BE49-F238E27FC236}">
-                <a16:creationId xmlns:a16="http://schemas.microsoft.com/office/drawing/2014/main" id="{6F692ABD-1334-5D46-DCBC-DFA6307E29F7}"/>
+                <a16:creationId xmlns:a16="http://schemas.microsoft.com/office/drawing/2014/main" id="{FE28943A-04A5-770C-E6F2-E4320B1B44F1}"/>
               </a:ext>
             </a:extLst>
           </p:cNvPr>
-          <p:cNvPicPr>
-            <a:picLocks noChangeAspect="1"/>
-          </p:cNvPicPr>
+          <p:cNvGrpSpPr/>
           <p:nvPr/>
-        </p:nvPicPr>
-        <p:blipFill>
-          <a:blip r:embed="rId2"/>
-          <a:stretch>
-            <a:fillRect/>
-          </a:stretch>
-        </p:blipFill>
-        <p:spPr>
+        </p:nvGrpSpPr>
+        <p:grpSpPr>
           <a:xfrm>
-            <a:off x="7313793" y="7030996"/>
-            <a:ext cx="3200400" cy="2463800"/>
+            <a:off x="595277" y="629282"/>
+            <a:ext cx="13119316" cy="8865514"/>
+            <a:chOff x="595277" y="629282"/>
+            <a:chExt cx="13119316" cy="8865514"/>
           </a:xfrm>
-          <a:prstGeom prst="rect">
-            <a:avLst/>
-          </a:prstGeom>
-        </p:spPr>
-      </p:pic>
-      <p:pic>
-        <p:nvPicPr>
-          <p:cNvPr id="1190" name="Picture 1189">
-            <a:extLst>
-              <a:ext uri="{FF2B5EF4-FFF2-40B4-BE49-F238E27FC236}">
-                <a16:creationId xmlns:a16="http://schemas.microsoft.com/office/drawing/2014/main" id="{56F3B984-FF4B-64DE-95A6-A651563B72D1}"/>
-              </a:ext>
-            </a:extLst>
-          </p:cNvPr>
-          <p:cNvPicPr>
-            <a:picLocks noChangeAspect="1"/>
-          </p:cNvPicPr>
-          <p:nvPr/>
-        </p:nvPicPr>
-        <p:blipFill>
-          <a:blip r:embed="rId3"/>
-          <a:stretch>
-            <a:fillRect/>
-          </a:stretch>
-        </p:blipFill>
-        <p:spPr>
-          <a:xfrm>
-            <a:off x="9137839" y="629282"/>
-            <a:ext cx="4572000" cy="3657600"/>
-          </a:xfrm>
-          <a:prstGeom prst="rect">
-            <a:avLst/>
-          </a:prstGeom>
-        </p:spPr>
-      </p:pic>
-      <p:pic>
-        <p:nvPicPr>
-          <p:cNvPr id="1182" name="Picture 1181">
-            <a:extLst>
-              <a:ext uri="{FF2B5EF4-FFF2-40B4-BE49-F238E27FC236}">
-                <a16:creationId xmlns:a16="http://schemas.microsoft.com/office/drawing/2014/main" id="{3CB93B5B-8969-3036-1445-883F85F66B96}"/>
-              </a:ext>
-            </a:extLst>
-          </p:cNvPr>
-          <p:cNvPicPr>
-            <a:picLocks noChangeAspect="1"/>
-          </p:cNvPicPr>
-          <p:nvPr/>
-        </p:nvPicPr>
-        <p:blipFill>
-          <a:blip r:embed="rId4"/>
-          <a:stretch>
-            <a:fillRect/>
-          </a:stretch>
-        </p:blipFill>
-        <p:spPr>
-          <a:xfrm>
-            <a:off x="7313793" y="4287482"/>
-            <a:ext cx="6400800" cy="2743200"/>
-          </a:xfrm>
-          <a:prstGeom prst="rect">
-            <a:avLst/>
-          </a:prstGeom>
-        </p:spPr>
-      </p:pic>
-      <p:pic>
-        <p:nvPicPr>
-          <p:cNvPr id="1148" name="Picture 1147">
-            <a:extLst>
-              <a:ext uri="{FF2B5EF4-FFF2-40B4-BE49-F238E27FC236}">
-                <a16:creationId xmlns:a16="http://schemas.microsoft.com/office/drawing/2014/main" id="{C302DC2A-72FC-B856-6192-B3E580164D9D}"/>
-              </a:ext>
-            </a:extLst>
-          </p:cNvPr>
-          <p:cNvPicPr>
-            <a:picLocks noChangeAspect="1"/>
-          </p:cNvPicPr>
-          <p:nvPr/>
-        </p:nvPicPr>
-        <p:blipFill>
-          <a:blip r:embed="rId5"/>
-          <a:stretch>
-            <a:fillRect/>
-          </a:stretch>
-        </p:blipFill>
-        <p:spPr>
-          <a:xfrm>
-            <a:off x="1238283" y="917696"/>
-            <a:ext cx="4121654" cy="3307256"/>
-          </a:xfrm>
-          <a:prstGeom prst="rect">
-            <a:avLst/>
-          </a:prstGeom>
-        </p:spPr>
-      </p:pic>
-      <p:pic>
-        <p:nvPicPr>
-          <p:cNvPr id="35" name="Picture 34">
-            <a:extLst>
-              <a:ext uri="{FF2B5EF4-FFF2-40B4-BE49-F238E27FC236}">
-                <a16:creationId xmlns:a16="http://schemas.microsoft.com/office/drawing/2014/main" id="{FC544217-6974-6BE3-4698-E0D6D89ADDC0}"/>
-              </a:ext>
-            </a:extLst>
-          </p:cNvPr>
-          <p:cNvPicPr>
-            <a:picLocks noChangeAspect="1"/>
-          </p:cNvPicPr>
-          <p:nvPr/>
-        </p:nvPicPr>
-        <p:blipFill>
-          <a:blip r:embed="rId6"/>
-          <a:stretch>
-            <a:fillRect/>
-          </a:stretch>
-        </p:blipFill>
-        <p:spPr>
-          <a:xfrm>
-            <a:off x="5127005" y="737597"/>
-            <a:ext cx="4114800" cy="3657600"/>
-          </a:xfrm>
-          <a:prstGeom prst="rect">
-            <a:avLst/>
-          </a:prstGeom>
-        </p:spPr>
-      </p:pic>
-      <p:pic>
-        <p:nvPicPr>
-          <p:cNvPr id="21" name="Picture 20">
-            <a:extLst>
-              <a:ext uri="{FF2B5EF4-FFF2-40B4-BE49-F238E27FC236}">
-                <a16:creationId xmlns:a16="http://schemas.microsoft.com/office/drawing/2014/main" id="{C88628C5-5985-DF7C-B7FF-12F452365007}"/>
-              </a:ext>
-            </a:extLst>
-          </p:cNvPr>
-          <p:cNvPicPr>
-            <a:picLocks noChangeAspect="1"/>
-          </p:cNvPicPr>
-          <p:nvPr/>
-        </p:nvPicPr>
-        <p:blipFill>
-          <a:blip r:embed="rId7"/>
-          <a:stretch>
-            <a:fillRect/>
-          </a:stretch>
-        </p:blipFill>
-        <p:spPr>
-          <a:xfrm>
-            <a:off x="912993" y="4287796"/>
-            <a:ext cx="6400800" cy="4114800"/>
-          </a:xfrm>
-          <a:prstGeom prst="rect">
-            <a:avLst/>
-          </a:prstGeom>
-          <a:ln>
+        </p:grpSpPr>
+        <p:pic>
+          <p:nvPicPr>
+            <p:cNvPr id="1194" name="Picture 1193">
+              <a:extLst>
+                <a:ext uri="{FF2B5EF4-FFF2-40B4-BE49-F238E27FC236}">
+                  <a16:creationId xmlns:a16="http://schemas.microsoft.com/office/drawing/2014/main" id="{6F692ABD-1334-5D46-DCBC-DFA6307E29F7}"/>
+                </a:ext>
+              </a:extLst>
+            </p:cNvPr>
+            <p:cNvPicPr>
+              <a:picLocks noChangeAspect="1"/>
+            </p:cNvPicPr>
+            <p:nvPr/>
+          </p:nvPicPr>
+          <p:blipFill>
+            <a:blip r:embed="rId2"/>
+            <a:stretch>
+              <a:fillRect/>
+            </a:stretch>
+          </p:blipFill>
+          <p:spPr>
+            <a:xfrm>
+              <a:off x="7313793" y="7030996"/>
+              <a:ext cx="3200400" cy="2463800"/>
+            </a:xfrm>
+            <a:prstGeom prst="rect">
+              <a:avLst/>
+            </a:prstGeom>
+          </p:spPr>
+        </p:pic>
+        <p:pic>
+          <p:nvPicPr>
+            <p:cNvPr id="1190" name="Picture 1189">
+              <a:extLst>
+                <a:ext uri="{FF2B5EF4-FFF2-40B4-BE49-F238E27FC236}">
+                  <a16:creationId xmlns:a16="http://schemas.microsoft.com/office/drawing/2014/main" id="{56F3B984-FF4B-64DE-95A6-A651563B72D1}"/>
+                </a:ext>
+              </a:extLst>
+            </p:cNvPr>
+            <p:cNvPicPr>
+              <a:picLocks noChangeAspect="1"/>
+            </p:cNvPicPr>
+            <p:nvPr/>
+          </p:nvPicPr>
+          <p:blipFill>
+            <a:blip r:embed="rId3"/>
+            <a:stretch>
+              <a:fillRect/>
+            </a:stretch>
+          </p:blipFill>
+          <p:spPr>
+            <a:xfrm>
+              <a:off x="9137839" y="629282"/>
+              <a:ext cx="4572000" cy="3657600"/>
+            </a:xfrm>
+            <a:prstGeom prst="rect">
+              <a:avLst/>
+            </a:prstGeom>
+          </p:spPr>
+        </p:pic>
+        <p:pic>
+          <p:nvPicPr>
+            <p:cNvPr id="1182" name="Picture 1181">
+              <a:extLst>
+                <a:ext uri="{FF2B5EF4-FFF2-40B4-BE49-F238E27FC236}">
+                  <a16:creationId xmlns:a16="http://schemas.microsoft.com/office/drawing/2014/main" id="{3CB93B5B-8969-3036-1445-883F85F66B96}"/>
+                </a:ext>
+              </a:extLst>
+            </p:cNvPr>
+            <p:cNvPicPr>
+              <a:picLocks noChangeAspect="1"/>
+            </p:cNvPicPr>
+            <p:nvPr/>
+          </p:nvPicPr>
+          <p:blipFill>
+            <a:blip r:embed="rId4"/>
+            <a:stretch>
+              <a:fillRect/>
+            </a:stretch>
+          </p:blipFill>
+          <p:spPr>
+            <a:xfrm>
+              <a:off x="7313793" y="4287482"/>
+              <a:ext cx="6400800" cy="2743200"/>
+            </a:xfrm>
+            <a:prstGeom prst="rect">
+              <a:avLst/>
+            </a:prstGeom>
+          </p:spPr>
+        </p:pic>
+        <p:pic>
+          <p:nvPicPr>
+            <p:cNvPr id="1148" name="Picture 1147">
+              <a:extLst>
+                <a:ext uri="{FF2B5EF4-FFF2-40B4-BE49-F238E27FC236}">
+                  <a16:creationId xmlns:a16="http://schemas.microsoft.com/office/drawing/2014/main" id="{C302DC2A-72FC-B856-6192-B3E580164D9D}"/>
+                </a:ext>
+              </a:extLst>
+            </p:cNvPr>
+            <p:cNvPicPr>
+              <a:picLocks noChangeAspect="1"/>
+            </p:cNvPicPr>
+            <p:nvPr/>
+          </p:nvPicPr>
+          <p:blipFill>
+            <a:blip r:embed="rId5"/>
+            <a:stretch>
+              <a:fillRect/>
+            </a:stretch>
+          </p:blipFill>
+          <p:spPr>
+            <a:xfrm>
+              <a:off x="1238283" y="917696"/>
+              <a:ext cx="4121654" cy="3307256"/>
+            </a:xfrm>
+            <a:prstGeom prst="rect">
+              <a:avLst/>
+            </a:prstGeom>
+          </p:spPr>
+        </p:pic>
+        <p:pic>
+          <p:nvPicPr>
+            <p:cNvPr id="35" name="Picture 34">
+              <a:extLst>
+                <a:ext uri="{FF2B5EF4-FFF2-40B4-BE49-F238E27FC236}">
+                  <a16:creationId xmlns:a16="http://schemas.microsoft.com/office/drawing/2014/main" id="{FC544217-6974-6BE3-4698-E0D6D89ADDC0}"/>
+                </a:ext>
+              </a:extLst>
+            </p:cNvPr>
+            <p:cNvPicPr>
+              <a:picLocks noChangeAspect="1"/>
+            </p:cNvPicPr>
+            <p:nvPr/>
+          </p:nvPicPr>
+          <p:blipFill>
+            <a:blip r:embed="rId6"/>
+            <a:stretch>
+              <a:fillRect/>
+            </a:stretch>
+          </p:blipFill>
+          <p:spPr>
+            <a:xfrm>
+              <a:off x="5127005" y="737597"/>
+              <a:ext cx="4114800" cy="3657600"/>
+            </a:xfrm>
+            <a:prstGeom prst="rect">
+              <a:avLst/>
+            </a:prstGeom>
+          </p:spPr>
+        </p:pic>
+        <p:pic>
+          <p:nvPicPr>
+            <p:cNvPr id="21" name="Picture 20">
+              <a:extLst>
+                <a:ext uri="{FF2B5EF4-FFF2-40B4-BE49-F238E27FC236}">
+                  <a16:creationId xmlns:a16="http://schemas.microsoft.com/office/drawing/2014/main" id="{C88628C5-5985-DF7C-B7FF-12F452365007}"/>
+                </a:ext>
+              </a:extLst>
+            </p:cNvPr>
+            <p:cNvPicPr>
+              <a:picLocks noChangeAspect="1"/>
+            </p:cNvPicPr>
+            <p:nvPr/>
+          </p:nvPicPr>
+          <p:blipFill>
+            <a:blip r:embed="rId7"/>
+            <a:stretch>
+              <a:fillRect/>
+            </a:stretch>
+          </p:blipFill>
+          <p:spPr>
+            <a:xfrm>
+              <a:off x="912993" y="4287796"/>
+              <a:ext cx="6400800" cy="4114800"/>
+            </a:xfrm>
+            <a:prstGeom prst="rect">
+              <a:avLst/>
+            </a:prstGeom>
+            <a:ln>
+              <a:noFill/>
+            </a:ln>
+          </p:spPr>
+        </p:pic>
+        <p:pic>
+          <p:nvPicPr>
+            <p:cNvPr id="42" name="Picture 41">
+              <a:extLst>
+                <a:ext uri="{FF2B5EF4-FFF2-40B4-BE49-F238E27FC236}">
+                  <a16:creationId xmlns:a16="http://schemas.microsoft.com/office/drawing/2014/main" id="{3B30C19A-7D30-6764-FE57-C2307E4D15D2}"/>
+                </a:ext>
+              </a:extLst>
+            </p:cNvPr>
+            <p:cNvPicPr>
+              <a:picLocks noChangeAspect="1"/>
+            </p:cNvPicPr>
+            <p:nvPr/>
+          </p:nvPicPr>
+          <p:blipFill>
+            <a:blip r:embed="rId8"/>
+            <a:stretch>
+              <a:fillRect/>
+            </a:stretch>
+          </p:blipFill>
+          <p:spPr>
+            <a:xfrm>
+              <a:off x="912993" y="8402596"/>
+              <a:ext cx="6400800" cy="1092200"/>
+            </a:xfrm>
+            <a:prstGeom prst="rect">
+              <a:avLst/>
+            </a:prstGeom>
+          </p:spPr>
+        </p:pic>
+        <p:pic>
+          <p:nvPicPr>
+            <p:cNvPr id="1188" name="Picture 1187">
+              <a:extLst>
+                <a:ext uri="{FF2B5EF4-FFF2-40B4-BE49-F238E27FC236}">
+                  <a16:creationId xmlns:a16="http://schemas.microsoft.com/office/drawing/2014/main" id="{A952F842-587F-A503-3640-9D7B90FB0C51}"/>
+                </a:ext>
+              </a:extLst>
+            </p:cNvPr>
+            <p:cNvPicPr>
+              <a:picLocks noChangeAspect="1"/>
+            </p:cNvPicPr>
+            <p:nvPr/>
+          </p:nvPicPr>
+          <p:blipFill>
+            <a:blip r:embed="rId9"/>
+            <a:stretch>
+              <a:fillRect/>
+            </a:stretch>
+          </p:blipFill>
+          <p:spPr>
+            <a:xfrm>
+              <a:off x="11224197" y="4286882"/>
+              <a:ext cx="2374900" cy="1549400"/>
+            </a:xfrm>
+            <a:prstGeom prst="rect">
+              <a:avLst/>
+            </a:prstGeom>
+            <a:ln>
+              <a:solidFill>
+                <a:schemeClr val="bg1">
+                  <a:lumMod val="50000"/>
+                </a:schemeClr>
+              </a:solidFill>
+            </a:ln>
+          </p:spPr>
+        </p:pic>
+        <p:cxnSp>
+          <p:nvCxnSpPr>
+            <p:cNvPr id="1196" name="Straight Arrow Connector 1195">
+              <a:extLst>
+                <a:ext uri="{FF2B5EF4-FFF2-40B4-BE49-F238E27FC236}">
+                  <a16:creationId xmlns:a16="http://schemas.microsoft.com/office/drawing/2014/main" id="{CF07D4C4-D49D-9C5C-D351-7BAE910612E6}"/>
+                </a:ext>
+              </a:extLst>
+            </p:cNvPr>
+            <p:cNvCxnSpPr/>
+            <p:nvPr/>
+          </p:nvCxnSpPr>
+          <p:spPr>
+            <a:xfrm>
+              <a:off x="8372475" y="6357938"/>
+              <a:ext cx="328613" cy="0"/>
+            </a:xfrm>
+            <a:prstGeom prst="straightConnector1">
+              <a:avLst/>
+            </a:prstGeom>
+            <a:ln>
+              <a:solidFill>
+                <a:schemeClr val="bg1">
+                  <a:lumMod val="50000"/>
+                </a:schemeClr>
+              </a:solidFill>
+              <a:tailEnd type="triangle"/>
+            </a:ln>
+          </p:spPr>
+          <p:style>
+            <a:lnRef idx="1">
+              <a:schemeClr val="accent1"/>
+            </a:lnRef>
+            <a:fillRef idx="0">
+              <a:schemeClr val="accent1"/>
+            </a:fillRef>
+            <a:effectRef idx="0">
+              <a:schemeClr val="accent1"/>
+            </a:effectRef>
+            <a:fontRef idx="minor">
+              <a:schemeClr val="tx1"/>
+            </a:fontRef>
+          </p:style>
+        </p:cxnSp>
+        <p:sp>
+          <p:nvSpPr>
+            <p:cNvPr id="7" name="TextBox 6">
+              <a:extLst>
+                <a:ext uri="{FF2B5EF4-FFF2-40B4-BE49-F238E27FC236}">
+                  <a16:creationId xmlns:a16="http://schemas.microsoft.com/office/drawing/2014/main" id="{864DA2CF-3F70-5C37-BF71-69B80826814B}"/>
+                </a:ext>
+              </a:extLst>
+            </p:cNvPr>
+            <p:cNvSpPr txBox="1"/>
+            <p:nvPr/>
+          </p:nvSpPr>
+          <p:spPr>
+            <a:xfrm>
+              <a:off x="595277" y="737597"/>
+              <a:ext cx="340158" cy="400110"/>
+            </a:xfrm>
+            <a:prstGeom prst="rect">
+              <a:avLst/>
+            </a:prstGeom>
             <a:noFill/>
-          </a:ln>
-        </p:spPr>
-      </p:pic>
-      <p:pic>
-        <p:nvPicPr>
-          <p:cNvPr id="42" name="Picture 41">
-            <a:extLst>
-              <a:ext uri="{FF2B5EF4-FFF2-40B4-BE49-F238E27FC236}">
-                <a16:creationId xmlns:a16="http://schemas.microsoft.com/office/drawing/2014/main" id="{3B30C19A-7D30-6764-FE57-C2307E4D15D2}"/>
-              </a:ext>
-            </a:extLst>
-          </p:cNvPr>
-          <p:cNvPicPr>
-            <a:picLocks noChangeAspect="1"/>
-          </p:cNvPicPr>
-          <p:nvPr/>
-        </p:nvPicPr>
-        <p:blipFill>
-          <a:blip r:embed="rId8"/>
-          <a:stretch>
-            <a:fillRect/>
-          </a:stretch>
-        </p:blipFill>
-        <p:spPr>
-          <a:xfrm>
-            <a:off x="912993" y="8402596"/>
-            <a:ext cx="6400800" cy="1092200"/>
-          </a:xfrm>
-          <a:prstGeom prst="rect">
-            <a:avLst/>
-          </a:prstGeom>
-        </p:spPr>
-      </p:pic>
-      <p:pic>
-        <p:nvPicPr>
-          <p:cNvPr id="1188" name="Picture 1187">
-            <a:extLst>
-              <a:ext uri="{FF2B5EF4-FFF2-40B4-BE49-F238E27FC236}">
-                <a16:creationId xmlns:a16="http://schemas.microsoft.com/office/drawing/2014/main" id="{A952F842-587F-A503-3640-9D7B90FB0C51}"/>
-              </a:ext>
-            </a:extLst>
-          </p:cNvPr>
-          <p:cNvPicPr>
-            <a:picLocks noChangeAspect="1"/>
-          </p:cNvPicPr>
-          <p:nvPr/>
-        </p:nvPicPr>
-        <p:blipFill>
-          <a:blip r:embed="rId9"/>
-          <a:stretch>
-            <a:fillRect/>
-          </a:stretch>
-        </p:blipFill>
-        <p:spPr>
-          <a:xfrm>
-            <a:off x="11224197" y="4286882"/>
-            <a:ext cx="2374900" cy="1549400"/>
-          </a:xfrm>
-          <a:prstGeom prst="rect">
-            <a:avLst/>
-          </a:prstGeom>
-          <a:ln>
-            <a:solidFill>
-              <a:schemeClr val="bg1">
-                <a:lumMod val="50000"/>
-              </a:schemeClr>
-            </a:solidFill>
-          </a:ln>
-        </p:spPr>
-      </p:pic>
-      <p:cxnSp>
-        <p:nvCxnSpPr>
-          <p:cNvPr id="1196" name="Straight Arrow Connector 1195">
-            <a:extLst>
-              <a:ext uri="{FF2B5EF4-FFF2-40B4-BE49-F238E27FC236}">
-                <a16:creationId xmlns:a16="http://schemas.microsoft.com/office/drawing/2014/main" id="{CF07D4C4-D49D-9C5C-D351-7BAE910612E6}"/>
-              </a:ext>
-            </a:extLst>
-          </p:cNvPr>
-          <p:cNvCxnSpPr/>
-          <p:nvPr/>
-        </p:nvCxnSpPr>
-        <p:spPr>
-          <a:xfrm>
-            <a:off x="8372475" y="6357938"/>
-            <a:ext cx="328613" cy="0"/>
-          </a:xfrm>
-          <a:prstGeom prst="straightConnector1">
-            <a:avLst/>
-          </a:prstGeom>
-          <a:ln>
-            <a:solidFill>
-              <a:schemeClr val="bg1">
-                <a:lumMod val="50000"/>
-              </a:schemeClr>
-            </a:solidFill>
-            <a:tailEnd type="triangle"/>
-          </a:ln>
-        </p:spPr>
-        <p:style>
-          <a:lnRef idx="1">
-            <a:schemeClr val="accent1"/>
-          </a:lnRef>
-          <a:fillRef idx="0">
-            <a:schemeClr val="accent1"/>
-          </a:fillRef>
-          <a:effectRef idx="0">
-            <a:schemeClr val="accent1"/>
-          </a:effectRef>
-          <a:fontRef idx="minor">
-            <a:schemeClr val="tx1"/>
-          </a:fontRef>
-        </p:style>
-      </p:cxnSp>
-      <p:sp>
-        <p:nvSpPr>
-          <p:cNvPr id="7" name="TextBox 6">
-            <a:extLst>
-              <a:ext uri="{FF2B5EF4-FFF2-40B4-BE49-F238E27FC236}">
-                <a16:creationId xmlns:a16="http://schemas.microsoft.com/office/drawing/2014/main" id="{864DA2CF-3F70-5C37-BF71-69B80826814B}"/>
-              </a:ext>
-            </a:extLst>
-          </p:cNvPr>
-          <p:cNvSpPr txBox="1"/>
-          <p:nvPr/>
-        </p:nvSpPr>
-        <p:spPr>
-          <a:xfrm>
-            <a:off x="595277" y="737597"/>
-            <a:ext cx="340158" cy="400110"/>
-          </a:xfrm>
-          <a:prstGeom prst="rect">
-            <a:avLst/>
-          </a:prstGeom>
-          <a:noFill/>
-        </p:spPr>
-        <p:txBody>
-          <a:bodyPr wrap="none" rtlCol="0">
-            <a:spAutoFit/>
-          </a:bodyPr>
-          <a:lstStyle/>
-          <a:p>
-            <a:r>
-              <a:rPr lang="en-AT" sz="2000" b="1" dirty="0"/>
-              <a:t>A</a:t>
-            </a:r>
-          </a:p>
-        </p:txBody>
-      </p:sp>
-      <p:sp>
-        <p:nvSpPr>
-          <p:cNvPr id="8" name="TextBox 7">
-            <a:extLst>
-              <a:ext uri="{FF2B5EF4-FFF2-40B4-BE49-F238E27FC236}">
-                <a16:creationId xmlns:a16="http://schemas.microsoft.com/office/drawing/2014/main" id="{01C18408-1469-48DA-8DB2-F85175EB97E7}"/>
-              </a:ext>
-            </a:extLst>
-          </p:cNvPr>
-          <p:cNvSpPr txBox="1"/>
-          <p:nvPr/>
-        </p:nvSpPr>
-        <p:spPr>
-          <a:xfrm>
-            <a:off x="5457909" y="737597"/>
-            <a:ext cx="328936" cy="400110"/>
-          </a:xfrm>
-          <a:prstGeom prst="rect">
-            <a:avLst/>
-          </a:prstGeom>
-          <a:noFill/>
-        </p:spPr>
-        <p:txBody>
-          <a:bodyPr wrap="none" rtlCol="0">
-            <a:spAutoFit/>
-          </a:bodyPr>
-          <a:lstStyle/>
-          <a:p>
-            <a:r>
-              <a:rPr lang="en-AT" sz="2000" b="1" dirty="0"/>
-              <a:t>B</a:t>
-            </a:r>
-          </a:p>
-        </p:txBody>
-      </p:sp>
-      <p:sp>
-        <p:nvSpPr>
-          <p:cNvPr id="9" name="TextBox 8">
-            <a:extLst>
-              <a:ext uri="{FF2B5EF4-FFF2-40B4-BE49-F238E27FC236}">
-                <a16:creationId xmlns:a16="http://schemas.microsoft.com/office/drawing/2014/main" id="{626FFE6D-7FDC-C562-6096-0C8E080865CA}"/>
-              </a:ext>
-            </a:extLst>
-          </p:cNvPr>
-          <p:cNvSpPr txBox="1"/>
-          <p:nvPr/>
-        </p:nvSpPr>
-        <p:spPr>
-          <a:xfrm>
-            <a:off x="599064" y="4224952"/>
-            <a:ext cx="320922" cy="400110"/>
-          </a:xfrm>
-          <a:prstGeom prst="rect">
-            <a:avLst/>
-          </a:prstGeom>
-          <a:noFill/>
-        </p:spPr>
-        <p:txBody>
-          <a:bodyPr wrap="none" rtlCol="0">
-            <a:spAutoFit/>
-          </a:bodyPr>
-          <a:lstStyle/>
-          <a:p>
-            <a:r>
-              <a:rPr lang="en-AT" sz="2000" b="1" dirty="0"/>
-              <a:t>C</a:t>
-            </a:r>
-          </a:p>
-        </p:txBody>
-      </p:sp>
-      <p:sp>
-        <p:nvSpPr>
-          <p:cNvPr id="10" name="TextBox 9">
-            <a:extLst>
-              <a:ext uri="{FF2B5EF4-FFF2-40B4-BE49-F238E27FC236}">
-                <a16:creationId xmlns:a16="http://schemas.microsoft.com/office/drawing/2014/main" id="{5CB14963-7A35-4500-2DF7-F146956D8895}"/>
-              </a:ext>
-            </a:extLst>
-          </p:cNvPr>
-          <p:cNvSpPr txBox="1"/>
-          <p:nvPr/>
-        </p:nvSpPr>
-        <p:spPr>
-          <a:xfrm>
-            <a:off x="595277" y="8262896"/>
-            <a:ext cx="346570" cy="400110"/>
-          </a:xfrm>
-          <a:prstGeom prst="rect">
-            <a:avLst/>
-          </a:prstGeom>
-          <a:noFill/>
-        </p:spPr>
-        <p:txBody>
-          <a:bodyPr wrap="none" rtlCol="0">
-            <a:spAutoFit/>
-          </a:bodyPr>
-          <a:lstStyle/>
-          <a:p>
-            <a:r>
-              <a:rPr lang="en-AT" sz="2000" b="1" dirty="0"/>
-              <a:t>D</a:t>
-            </a:r>
-          </a:p>
-        </p:txBody>
-      </p:sp>
-      <p:sp>
-        <p:nvSpPr>
-          <p:cNvPr id="11" name="TextBox 10">
-            <a:extLst>
-              <a:ext uri="{FF2B5EF4-FFF2-40B4-BE49-F238E27FC236}">
-                <a16:creationId xmlns:a16="http://schemas.microsoft.com/office/drawing/2014/main" id="{C74540B5-F74E-0350-FE91-3540481E1894}"/>
-              </a:ext>
-            </a:extLst>
-          </p:cNvPr>
-          <p:cNvSpPr txBox="1"/>
-          <p:nvPr/>
-        </p:nvSpPr>
-        <p:spPr>
-          <a:xfrm>
-            <a:off x="9133085" y="733030"/>
-            <a:ext cx="309700" cy="400110"/>
-          </a:xfrm>
-          <a:prstGeom prst="rect">
-            <a:avLst/>
-          </a:prstGeom>
-          <a:noFill/>
-        </p:spPr>
-        <p:txBody>
-          <a:bodyPr wrap="none" rtlCol="0">
-            <a:spAutoFit/>
-          </a:bodyPr>
-          <a:lstStyle/>
-          <a:p>
-            <a:r>
-              <a:rPr lang="en-AT" sz="2000" b="1" dirty="0"/>
-              <a:t>E</a:t>
-            </a:r>
-          </a:p>
-        </p:txBody>
-      </p:sp>
-      <p:sp>
-        <p:nvSpPr>
-          <p:cNvPr id="12" name="TextBox 11">
-            <a:extLst>
-              <a:ext uri="{FF2B5EF4-FFF2-40B4-BE49-F238E27FC236}">
-                <a16:creationId xmlns:a16="http://schemas.microsoft.com/office/drawing/2014/main" id="{80AE70D8-64AE-4377-A498-E1DE7F967E99}"/>
-              </a:ext>
-            </a:extLst>
-          </p:cNvPr>
-          <p:cNvSpPr txBox="1"/>
-          <p:nvPr/>
-        </p:nvSpPr>
-        <p:spPr>
-          <a:xfrm>
-            <a:off x="9133085" y="3138772"/>
-            <a:ext cx="303288" cy="400110"/>
-          </a:xfrm>
-          <a:prstGeom prst="rect">
-            <a:avLst/>
-          </a:prstGeom>
-          <a:noFill/>
-        </p:spPr>
-        <p:txBody>
-          <a:bodyPr wrap="none" rtlCol="0">
-            <a:spAutoFit/>
-          </a:bodyPr>
-          <a:lstStyle/>
-          <a:p>
-            <a:r>
-              <a:rPr lang="en-AT" sz="2000" b="1" dirty="0"/>
-              <a:t>F</a:t>
-            </a:r>
-          </a:p>
-        </p:txBody>
-      </p:sp>
-      <p:sp>
-        <p:nvSpPr>
-          <p:cNvPr id="13" name="TextBox 12">
-            <a:extLst>
-              <a:ext uri="{FF2B5EF4-FFF2-40B4-BE49-F238E27FC236}">
-                <a16:creationId xmlns:a16="http://schemas.microsoft.com/office/drawing/2014/main" id="{CF575C4A-07D9-E787-7A99-3CF5844FE847}"/>
-              </a:ext>
-            </a:extLst>
-          </p:cNvPr>
-          <p:cNvSpPr txBox="1"/>
-          <p:nvPr/>
-        </p:nvSpPr>
-        <p:spPr>
-          <a:xfrm>
-            <a:off x="7210306" y="4224952"/>
-            <a:ext cx="346570" cy="400110"/>
-          </a:xfrm>
-          <a:prstGeom prst="rect">
-            <a:avLst/>
-          </a:prstGeom>
-          <a:noFill/>
-        </p:spPr>
-        <p:txBody>
-          <a:bodyPr wrap="none" rtlCol="0">
-            <a:spAutoFit/>
-          </a:bodyPr>
-          <a:lstStyle/>
-          <a:p>
-            <a:r>
-              <a:rPr lang="en-AT" sz="2000" b="1" dirty="0"/>
-              <a:t>G</a:t>
-            </a:r>
-          </a:p>
-        </p:txBody>
-      </p:sp>
-      <p:sp>
-        <p:nvSpPr>
-          <p:cNvPr id="14" name="TextBox 13">
-            <a:extLst>
-              <a:ext uri="{FF2B5EF4-FFF2-40B4-BE49-F238E27FC236}">
-                <a16:creationId xmlns:a16="http://schemas.microsoft.com/office/drawing/2014/main" id="{552A1464-0785-AB09-632B-E45949D1AD12}"/>
-              </a:ext>
-            </a:extLst>
-          </p:cNvPr>
-          <p:cNvSpPr txBox="1"/>
-          <p:nvPr/>
-        </p:nvSpPr>
-        <p:spPr>
-          <a:xfrm>
-            <a:off x="10755093" y="4224952"/>
-            <a:ext cx="344966" cy="400110"/>
-          </a:xfrm>
-          <a:prstGeom prst="rect">
-            <a:avLst/>
-          </a:prstGeom>
-          <a:noFill/>
-        </p:spPr>
-        <p:txBody>
-          <a:bodyPr wrap="none" rtlCol="0">
-            <a:spAutoFit/>
-          </a:bodyPr>
-          <a:lstStyle/>
-          <a:p>
-            <a:r>
-              <a:rPr lang="en-AT" sz="2000" b="1" dirty="0"/>
-              <a:t>H</a:t>
-            </a:r>
-          </a:p>
-        </p:txBody>
-      </p:sp>
-      <p:sp>
-        <p:nvSpPr>
-          <p:cNvPr id="15" name="TextBox 14">
-            <a:extLst>
-              <a:ext uri="{FF2B5EF4-FFF2-40B4-BE49-F238E27FC236}">
-                <a16:creationId xmlns:a16="http://schemas.microsoft.com/office/drawing/2014/main" id="{E1D87D06-0486-80BD-AD27-BB140F2EA57D}"/>
-              </a:ext>
-            </a:extLst>
-          </p:cNvPr>
-          <p:cNvSpPr txBox="1"/>
-          <p:nvPr/>
-        </p:nvSpPr>
-        <p:spPr>
-          <a:xfrm>
-            <a:off x="7211421" y="7030682"/>
-            <a:ext cx="253596" cy="400110"/>
-          </a:xfrm>
-          <a:prstGeom prst="rect">
-            <a:avLst/>
-          </a:prstGeom>
-          <a:noFill/>
-        </p:spPr>
-        <p:txBody>
-          <a:bodyPr wrap="none" rtlCol="0">
-            <a:spAutoFit/>
-          </a:bodyPr>
-          <a:lstStyle/>
-          <a:p>
-            <a:r>
-              <a:rPr lang="en-AT" sz="2000" b="1" dirty="0"/>
-              <a:t>I</a:t>
-            </a:r>
-          </a:p>
-        </p:txBody>
-      </p:sp>
+          </p:spPr>
+          <p:txBody>
+            <a:bodyPr wrap="none" rtlCol="0">
+              <a:spAutoFit/>
+            </a:bodyPr>
+            <a:lstStyle/>
+            <a:p>
+              <a:r>
+                <a:rPr lang="en-AT" sz="2000" b="1" dirty="0"/>
+                <a:t>A</a:t>
+              </a:r>
+            </a:p>
+          </p:txBody>
+        </p:sp>
+        <p:sp>
+          <p:nvSpPr>
+            <p:cNvPr id="8" name="TextBox 7">
+              <a:extLst>
+                <a:ext uri="{FF2B5EF4-FFF2-40B4-BE49-F238E27FC236}">
+                  <a16:creationId xmlns:a16="http://schemas.microsoft.com/office/drawing/2014/main" id="{01C18408-1469-48DA-8DB2-F85175EB97E7}"/>
+                </a:ext>
+              </a:extLst>
+            </p:cNvPr>
+            <p:cNvSpPr txBox="1"/>
+            <p:nvPr/>
+          </p:nvSpPr>
+          <p:spPr>
+            <a:xfrm>
+              <a:off x="5457909" y="737597"/>
+              <a:ext cx="328936" cy="400110"/>
+            </a:xfrm>
+            <a:prstGeom prst="rect">
+              <a:avLst/>
+            </a:prstGeom>
+            <a:noFill/>
+          </p:spPr>
+          <p:txBody>
+            <a:bodyPr wrap="none" rtlCol="0">
+              <a:spAutoFit/>
+            </a:bodyPr>
+            <a:lstStyle/>
+            <a:p>
+              <a:r>
+                <a:rPr lang="en-AT" sz="2000" b="1" dirty="0"/>
+                <a:t>B</a:t>
+              </a:r>
+            </a:p>
+          </p:txBody>
+        </p:sp>
+        <p:sp>
+          <p:nvSpPr>
+            <p:cNvPr id="9" name="TextBox 8">
+              <a:extLst>
+                <a:ext uri="{FF2B5EF4-FFF2-40B4-BE49-F238E27FC236}">
+                  <a16:creationId xmlns:a16="http://schemas.microsoft.com/office/drawing/2014/main" id="{626FFE6D-7FDC-C562-6096-0C8E080865CA}"/>
+                </a:ext>
+              </a:extLst>
+            </p:cNvPr>
+            <p:cNvSpPr txBox="1"/>
+            <p:nvPr/>
+          </p:nvSpPr>
+          <p:spPr>
+            <a:xfrm>
+              <a:off x="599064" y="4224952"/>
+              <a:ext cx="320922" cy="400110"/>
+            </a:xfrm>
+            <a:prstGeom prst="rect">
+              <a:avLst/>
+            </a:prstGeom>
+            <a:noFill/>
+          </p:spPr>
+          <p:txBody>
+            <a:bodyPr wrap="none" rtlCol="0">
+              <a:spAutoFit/>
+            </a:bodyPr>
+            <a:lstStyle/>
+            <a:p>
+              <a:r>
+                <a:rPr lang="en-AT" sz="2000" b="1" dirty="0"/>
+                <a:t>C</a:t>
+              </a:r>
+            </a:p>
+          </p:txBody>
+        </p:sp>
+        <p:sp>
+          <p:nvSpPr>
+            <p:cNvPr id="10" name="TextBox 9">
+              <a:extLst>
+                <a:ext uri="{FF2B5EF4-FFF2-40B4-BE49-F238E27FC236}">
+                  <a16:creationId xmlns:a16="http://schemas.microsoft.com/office/drawing/2014/main" id="{5CB14963-7A35-4500-2DF7-F146956D8895}"/>
+                </a:ext>
+              </a:extLst>
+            </p:cNvPr>
+            <p:cNvSpPr txBox="1"/>
+            <p:nvPr/>
+          </p:nvSpPr>
+          <p:spPr>
+            <a:xfrm>
+              <a:off x="595277" y="8262896"/>
+              <a:ext cx="346570" cy="400110"/>
+            </a:xfrm>
+            <a:prstGeom prst="rect">
+              <a:avLst/>
+            </a:prstGeom>
+            <a:noFill/>
+          </p:spPr>
+          <p:txBody>
+            <a:bodyPr wrap="none" rtlCol="0">
+              <a:spAutoFit/>
+            </a:bodyPr>
+            <a:lstStyle/>
+            <a:p>
+              <a:r>
+                <a:rPr lang="en-AT" sz="2000" b="1" dirty="0"/>
+                <a:t>D</a:t>
+              </a:r>
+            </a:p>
+          </p:txBody>
+        </p:sp>
+        <p:sp>
+          <p:nvSpPr>
+            <p:cNvPr id="11" name="TextBox 10">
+              <a:extLst>
+                <a:ext uri="{FF2B5EF4-FFF2-40B4-BE49-F238E27FC236}">
+                  <a16:creationId xmlns:a16="http://schemas.microsoft.com/office/drawing/2014/main" id="{C74540B5-F74E-0350-FE91-3540481E1894}"/>
+                </a:ext>
+              </a:extLst>
+            </p:cNvPr>
+            <p:cNvSpPr txBox="1"/>
+            <p:nvPr/>
+          </p:nvSpPr>
+          <p:spPr>
+            <a:xfrm>
+              <a:off x="9133085" y="733030"/>
+              <a:ext cx="309700" cy="400110"/>
+            </a:xfrm>
+            <a:prstGeom prst="rect">
+              <a:avLst/>
+            </a:prstGeom>
+            <a:noFill/>
+          </p:spPr>
+          <p:txBody>
+            <a:bodyPr wrap="none" rtlCol="0">
+              <a:spAutoFit/>
+            </a:bodyPr>
+            <a:lstStyle/>
+            <a:p>
+              <a:r>
+                <a:rPr lang="en-AT" sz="2000" b="1" dirty="0"/>
+                <a:t>E</a:t>
+              </a:r>
+            </a:p>
+          </p:txBody>
+        </p:sp>
+        <p:sp>
+          <p:nvSpPr>
+            <p:cNvPr id="12" name="TextBox 11">
+              <a:extLst>
+                <a:ext uri="{FF2B5EF4-FFF2-40B4-BE49-F238E27FC236}">
+                  <a16:creationId xmlns:a16="http://schemas.microsoft.com/office/drawing/2014/main" id="{80AE70D8-64AE-4377-A498-E1DE7F967E99}"/>
+                </a:ext>
+              </a:extLst>
+            </p:cNvPr>
+            <p:cNvSpPr txBox="1"/>
+            <p:nvPr/>
+          </p:nvSpPr>
+          <p:spPr>
+            <a:xfrm>
+              <a:off x="9133085" y="3138772"/>
+              <a:ext cx="303288" cy="400110"/>
+            </a:xfrm>
+            <a:prstGeom prst="rect">
+              <a:avLst/>
+            </a:prstGeom>
+            <a:noFill/>
+          </p:spPr>
+          <p:txBody>
+            <a:bodyPr wrap="none" rtlCol="0">
+              <a:spAutoFit/>
+            </a:bodyPr>
+            <a:lstStyle/>
+            <a:p>
+              <a:r>
+                <a:rPr lang="en-AT" sz="2000" b="1" dirty="0"/>
+                <a:t>F</a:t>
+              </a:r>
+            </a:p>
+          </p:txBody>
+        </p:sp>
+        <p:sp>
+          <p:nvSpPr>
+            <p:cNvPr id="13" name="TextBox 12">
+              <a:extLst>
+                <a:ext uri="{FF2B5EF4-FFF2-40B4-BE49-F238E27FC236}">
+                  <a16:creationId xmlns:a16="http://schemas.microsoft.com/office/drawing/2014/main" id="{CF575C4A-07D9-E787-7A99-3CF5844FE847}"/>
+                </a:ext>
+              </a:extLst>
+            </p:cNvPr>
+            <p:cNvSpPr txBox="1"/>
+            <p:nvPr/>
+          </p:nvSpPr>
+          <p:spPr>
+            <a:xfrm>
+              <a:off x="7210306" y="4224952"/>
+              <a:ext cx="346570" cy="400110"/>
+            </a:xfrm>
+            <a:prstGeom prst="rect">
+              <a:avLst/>
+            </a:prstGeom>
+            <a:noFill/>
+          </p:spPr>
+          <p:txBody>
+            <a:bodyPr wrap="none" rtlCol="0">
+              <a:spAutoFit/>
+            </a:bodyPr>
+            <a:lstStyle/>
+            <a:p>
+              <a:r>
+                <a:rPr lang="en-AT" sz="2000" b="1" dirty="0"/>
+                <a:t>G</a:t>
+              </a:r>
+            </a:p>
+          </p:txBody>
+        </p:sp>
+        <p:sp>
+          <p:nvSpPr>
+            <p:cNvPr id="14" name="TextBox 13">
+              <a:extLst>
+                <a:ext uri="{FF2B5EF4-FFF2-40B4-BE49-F238E27FC236}">
+                  <a16:creationId xmlns:a16="http://schemas.microsoft.com/office/drawing/2014/main" id="{552A1464-0785-AB09-632B-E45949D1AD12}"/>
+                </a:ext>
+              </a:extLst>
+            </p:cNvPr>
+            <p:cNvSpPr txBox="1"/>
+            <p:nvPr/>
+          </p:nvSpPr>
+          <p:spPr>
+            <a:xfrm>
+              <a:off x="10755093" y="4224952"/>
+              <a:ext cx="344966" cy="400110"/>
+            </a:xfrm>
+            <a:prstGeom prst="rect">
+              <a:avLst/>
+            </a:prstGeom>
+            <a:noFill/>
+          </p:spPr>
+          <p:txBody>
+            <a:bodyPr wrap="none" rtlCol="0">
+              <a:spAutoFit/>
+            </a:bodyPr>
+            <a:lstStyle/>
+            <a:p>
+              <a:r>
+                <a:rPr lang="en-AT" sz="2000" b="1" dirty="0"/>
+                <a:t>H</a:t>
+              </a:r>
+            </a:p>
+          </p:txBody>
+        </p:sp>
+        <p:sp>
+          <p:nvSpPr>
+            <p:cNvPr id="15" name="TextBox 14">
+              <a:extLst>
+                <a:ext uri="{FF2B5EF4-FFF2-40B4-BE49-F238E27FC236}">
+                  <a16:creationId xmlns:a16="http://schemas.microsoft.com/office/drawing/2014/main" id="{E1D87D06-0486-80BD-AD27-BB140F2EA57D}"/>
+                </a:ext>
+              </a:extLst>
+            </p:cNvPr>
+            <p:cNvSpPr txBox="1"/>
+            <p:nvPr/>
+          </p:nvSpPr>
+          <p:spPr>
+            <a:xfrm>
+              <a:off x="7211421" y="7030682"/>
+              <a:ext cx="253596" cy="400110"/>
+            </a:xfrm>
+            <a:prstGeom prst="rect">
+              <a:avLst/>
+            </a:prstGeom>
+            <a:noFill/>
+          </p:spPr>
+          <p:txBody>
+            <a:bodyPr wrap="none" rtlCol="0">
+              <a:spAutoFit/>
+            </a:bodyPr>
+            <a:lstStyle/>
+            <a:p>
+              <a:r>
+                <a:rPr lang="en-AT" sz="2000" b="1" dirty="0"/>
+                <a:t>I</a:t>
+              </a:r>
+            </a:p>
+          </p:txBody>
+        </p:sp>
+      </p:grpSp>
       <p:sp>
         <p:nvSpPr>
           <p:cNvPr id="16" name="TextBox 15">
